--- a/tcs-expt-assign.pptx
+++ b/tcs-expt-assign.pptx
@@ -7,6 +7,7 @@
   <p:sldIdLst>
     <p:sldId id="256" r:id="rId2"/>
     <p:sldId id="257" r:id="rId3"/>
+    <p:sldId id="258" r:id="rId4"/>
   </p:sldIdLst>
   <p:sldSz cx="12192000" cy="6858000"/>
   <p:notesSz cx="6858000" cy="9144000"/>
@@ -6171,6 +6172,2885 @@
 </p:sld>
 </file>
 
+<file path=ppt/slides/slide3.xml><?xml version="1.0" encoding="utf-8"?>
+<p:sld xmlns:a="http://schemas.openxmlformats.org/drawingml/2006/main" xmlns:r="http://schemas.openxmlformats.org/officeDocument/2006/relationships" xmlns:p="http://schemas.openxmlformats.org/presentationml/2006/main">
+  <p:cSld>
+    <p:spTree>
+      <p:nvGrpSpPr>
+        <p:cNvPr id="1" name=""/>
+        <p:cNvGrpSpPr/>
+        <p:nvPr/>
+      </p:nvGrpSpPr>
+      <p:grpSpPr>
+        <a:xfrm>
+          <a:off x="0" y="0"/>
+          <a:ext cx="0" cy="0"/>
+          <a:chOff x="0" y="0"/>
+          <a:chExt cx="0" cy="0"/>
+        </a:xfrm>
+      </p:grpSpPr>
+      <p:sp>
+        <p:nvSpPr>
+          <p:cNvPr id="2" name="タイトル 1"/>
+          <p:cNvSpPr>
+            <a:spLocks noGrp="1"/>
+          </p:cNvSpPr>
+          <p:nvPr>
+            <p:ph type="title"/>
+          </p:nvPr>
+        </p:nvSpPr>
+        <p:spPr/>
+        <p:txBody>
+          <a:bodyPr/>
+          <a:lstStyle/>
+          <a:p>
+            <a:r>
+              <a:rPr lang="ja-JP" altLang="en-US" dirty="0"/>
+              <a:t>実験問題の割り当て</a:t>
+            </a:r>
+            <a:endParaRPr kumimoji="1" lang="ja-JP" altLang="en-US" dirty="0"/>
+          </a:p>
+        </p:txBody>
+      </p:sp>
+      <p:graphicFrame>
+        <p:nvGraphicFramePr>
+          <p:cNvPr id="5" name="コンテンツ プレースホルダー 4"/>
+          <p:cNvGraphicFramePr>
+            <a:graphicFrameLocks noGrp="1"/>
+          </p:cNvGraphicFramePr>
+          <p:nvPr>
+            <p:ph idx="1"/>
+            <p:extLst>
+              <p:ext uri="{D42A27DB-BD31-4B8C-83A1-F6EECF244321}">
+                <p14:modId xmlns:p14="http://schemas.microsoft.com/office/powerpoint/2010/main" val="475849561"/>
+              </p:ext>
+            </p:extLst>
+          </p:nvPr>
+        </p:nvGraphicFramePr>
+        <p:xfrm>
+          <a:off x="339307" y="1831762"/>
+          <a:ext cx="11513386" cy="4471448"/>
+        </p:xfrm>
+        <a:graphic>
+          <a:graphicData uri="http://schemas.openxmlformats.org/drawingml/2006/table">
+            <a:tbl>
+              <a:tblPr firstRow="1" bandRow="1">
+                <a:tableStyleId>{E8B1032C-EA38-4F05-BA0D-38AFFFC7BED3}</a:tableStyleId>
+              </a:tblPr>
+              <a:tblGrid>
+                <a:gridCol w="677258">
+                  <a:extLst>
+                    <a:ext uri="{9D8B030D-6E8A-4147-A177-3AD203B41FA5}">
+                      <a16:colId xmlns:a16="http://schemas.microsoft.com/office/drawing/2014/main" val="2194149238"/>
+                    </a:ext>
+                  </a:extLst>
+                </a:gridCol>
+                <a:gridCol w="938756">
+                  <a:extLst>
+                    <a:ext uri="{9D8B030D-6E8A-4147-A177-3AD203B41FA5}">
+                      <a16:colId xmlns:a16="http://schemas.microsoft.com/office/drawing/2014/main" val="1320378386"/>
+                    </a:ext>
+                  </a:extLst>
+                </a:gridCol>
+                <a:gridCol w="415760">
+                  <a:extLst>
+                    <a:ext uri="{9D8B030D-6E8A-4147-A177-3AD203B41FA5}">
+                      <a16:colId xmlns:a16="http://schemas.microsoft.com/office/drawing/2014/main" val="290367536"/>
+                    </a:ext>
+                  </a:extLst>
+                </a:gridCol>
+                <a:gridCol w="952964">
+                  <a:extLst>
+                    <a:ext uri="{9D8B030D-6E8A-4147-A177-3AD203B41FA5}">
+                      <a16:colId xmlns:a16="http://schemas.microsoft.com/office/drawing/2014/main" val="4206599434"/>
+                    </a:ext>
+                  </a:extLst>
+                </a:gridCol>
+                <a:gridCol w="401552">
+                  <a:extLst>
+                    <a:ext uri="{9D8B030D-6E8A-4147-A177-3AD203B41FA5}">
+                      <a16:colId xmlns:a16="http://schemas.microsoft.com/office/drawing/2014/main" val="484500417"/>
+                    </a:ext>
+                  </a:extLst>
+                </a:gridCol>
+                <a:gridCol w="1024682">
+                  <a:extLst>
+                    <a:ext uri="{9D8B030D-6E8A-4147-A177-3AD203B41FA5}">
+                      <a16:colId xmlns:a16="http://schemas.microsoft.com/office/drawing/2014/main" val="2046606231"/>
+                    </a:ext>
+                  </a:extLst>
+                </a:gridCol>
+                <a:gridCol w="329834">
+                  <a:extLst>
+                    <a:ext uri="{9D8B030D-6E8A-4147-A177-3AD203B41FA5}">
+                      <a16:colId xmlns:a16="http://schemas.microsoft.com/office/drawing/2014/main" val="376238075"/>
+                    </a:ext>
+                  </a:extLst>
+                </a:gridCol>
+                <a:gridCol w="964128">
+                  <a:extLst>
+                    <a:ext uri="{9D8B030D-6E8A-4147-A177-3AD203B41FA5}">
+                      <a16:colId xmlns:a16="http://schemas.microsoft.com/office/drawing/2014/main" val="3338185589"/>
+                    </a:ext>
+                  </a:extLst>
+                </a:gridCol>
+                <a:gridCol w="390388">
+                  <a:extLst>
+                    <a:ext uri="{9D8B030D-6E8A-4147-A177-3AD203B41FA5}">
+                      <a16:colId xmlns:a16="http://schemas.microsoft.com/office/drawing/2014/main" val="547582583"/>
+                    </a:ext>
+                  </a:extLst>
+                </a:gridCol>
+                <a:gridCol w="984088">
+                  <a:extLst>
+                    <a:ext uri="{9D8B030D-6E8A-4147-A177-3AD203B41FA5}">
+                      <a16:colId xmlns:a16="http://schemas.microsoft.com/office/drawing/2014/main" val="525928660"/>
+                    </a:ext>
+                  </a:extLst>
+                </a:gridCol>
+                <a:gridCol w="370428">
+                  <a:extLst>
+                    <a:ext uri="{9D8B030D-6E8A-4147-A177-3AD203B41FA5}">
+                      <a16:colId xmlns:a16="http://schemas.microsoft.com/office/drawing/2014/main" val="3890574760"/>
+                    </a:ext>
+                  </a:extLst>
+                </a:gridCol>
+                <a:gridCol w="958040">
+                  <a:extLst>
+                    <a:ext uri="{9D8B030D-6E8A-4147-A177-3AD203B41FA5}">
+                      <a16:colId xmlns:a16="http://schemas.microsoft.com/office/drawing/2014/main" val="28662382"/>
+                    </a:ext>
+                  </a:extLst>
+                </a:gridCol>
+                <a:gridCol w="396476">
+                  <a:extLst>
+                    <a:ext uri="{9D8B030D-6E8A-4147-A177-3AD203B41FA5}">
+                      <a16:colId xmlns:a16="http://schemas.microsoft.com/office/drawing/2014/main" val="2777792252"/>
+                    </a:ext>
+                  </a:extLst>
+                </a:gridCol>
+                <a:gridCol w="952757">
+                  <a:extLst>
+                    <a:ext uri="{9D8B030D-6E8A-4147-A177-3AD203B41FA5}">
+                      <a16:colId xmlns:a16="http://schemas.microsoft.com/office/drawing/2014/main" val="2519602600"/>
+                    </a:ext>
+                  </a:extLst>
+                </a:gridCol>
+                <a:gridCol w="401759">
+                  <a:extLst>
+                    <a:ext uri="{9D8B030D-6E8A-4147-A177-3AD203B41FA5}">
+                      <a16:colId xmlns:a16="http://schemas.microsoft.com/office/drawing/2014/main" val="4132176758"/>
+                    </a:ext>
+                  </a:extLst>
+                </a:gridCol>
+                <a:gridCol w="992208">
+                  <a:extLst>
+                    <a:ext uri="{9D8B030D-6E8A-4147-A177-3AD203B41FA5}">
+                      <a16:colId xmlns:a16="http://schemas.microsoft.com/office/drawing/2014/main" val="4200093558"/>
+                    </a:ext>
+                  </a:extLst>
+                </a:gridCol>
+                <a:gridCol w="362308">
+                  <a:extLst>
+                    <a:ext uri="{9D8B030D-6E8A-4147-A177-3AD203B41FA5}">
+                      <a16:colId xmlns:a16="http://schemas.microsoft.com/office/drawing/2014/main" val="3541549702"/>
+                    </a:ext>
+                  </a:extLst>
+                </a:gridCol>
+              </a:tblGrid>
+              <a:tr h="1838112">
+                <a:tc>
+                  <a:txBody>
+                    <a:bodyPr/>
+                    <a:lstStyle/>
+                    <a:p>
+                      <a:endParaRPr kumimoji="1" lang="ja-JP" altLang="en-US" dirty="0"/>
+                    </a:p>
+                  </a:txBody>
+                  <a:tcPr/>
+                </a:tc>
+                <a:tc gridSpan="2">
+                  <a:txBody>
+                    <a:bodyPr/>
+                    <a:lstStyle/>
+                    <a:p>
+                      <a:endParaRPr kumimoji="1" lang="ja-JP" altLang="en-US" dirty="0"/>
+                    </a:p>
+                  </a:txBody>
+                  <a:tcPr/>
+                </a:tc>
+                <a:tc hMerge="1">
+                  <a:txBody>
+                    <a:bodyPr/>
+                    <a:lstStyle/>
+                    <a:p>
+                      <a:endParaRPr kumimoji="1" lang="ja-JP" altLang="en-US" dirty="0"/>
+                    </a:p>
+                  </a:txBody>
+                  <a:tcPr/>
+                </a:tc>
+                <a:tc gridSpan="2">
+                  <a:txBody>
+                    <a:bodyPr/>
+                    <a:lstStyle/>
+                    <a:p>
+                      <a:endParaRPr kumimoji="1" lang="ja-JP" altLang="en-US" dirty="0"/>
+                    </a:p>
+                  </a:txBody>
+                  <a:tcPr/>
+                </a:tc>
+                <a:tc hMerge="1">
+                  <a:txBody>
+                    <a:bodyPr/>
+                    <a:lstStyle/>
+                    <a:p>
+                      <a:endParaRPr kumimoji="1" lang="ja-JP" altLang="en-US" dirty="0"/>
+                    </a:p>
+                  </a:txBody>
+                  <a:tcPr/>
+                </a:tc>
+                <a:tc gridSpan="2">
+                  <a:txBody>
+                    <a:bodyPr/>
+                    <a:lstStyle/>
+                    <a:p>
+                      <a:endParaRPr kumimoji="1" lang="ja-JP" altLang="en-US" dirty="0"/>
+                    </a:p>
+                  </a:txBody>
+                  <a:tcPr/>
+                </a:tc>
+                <a:tc hMerge="1">
+                  <a:txBody>
+                    <a:bodyPr/>
+                    <a:lstStyle/>
+                    <a:p>
+                      <a:endParaRPr kumimoji="1" lang="ja-JP" altLang="en-US" dirty="0"/>
+                    </a:p>
+                  </a:txBody>
+                  <a:tcPr/>
+                </a:tc>
+                <a:tc gridSpan="2">
+                  <a:txBody>
+                    <a:bodyPr/>
+                    <a:lstStyle/>
+                    <a:p>
+                      <a:endParaRPr kumimoji="1" lang="ja-JP" altLang="en-US" dirty="0"/>
+                    </a:p>
+                  </a:txBody>
+                  <a:tcPr/>
+                </a:tc>
+                <a:tc hMerge="1">
+                  <a:txBody>
+                    <a:bodyPr/>
+                    <a:lstStyle/>
+                    <a:p>
+                      <a:endParaRPr kumimoji="1" lang="ja-JP" altLang="en-US" dirty="0"/>
+                    </a:p>
+                  </a:txBody>
+                  <a:tcPr/>
+                </a:tc>
+                <a:tc gridSpan="2">
+                  <a:txBody>
+                    <a:bodyPr/>
+                    <a:lstStyle/>
+                    <a:p>
+                      <a:endParaRPr kumimoji="1" lang="ja-JP" altLang="en-US" dirty="0"/>
+                    </a:p>
+                  </a:txBody>
+                  <a:tcPr/>
+                </a:tc>
+                <a:tc hMerge="1">
+                  <a:txBody>
+                    <a:bodyPr/>
+                    <a:lstStyle/>
+                    <a:p>
+                      <a:endParaRPr kumimoji="1" lang="ja-JP" altLang="en-US" dirty="0"/>
+                    </a:p>
+                  </a:txBody>
+                  <a:tcPr/>
+                </a:tc>
+                <a:tc gridSpan="2">
+                  <a:txBody>
+                    <a:bodyPr/>
+                    <a:lstStyle/>
+                    <a:p>
+                      <a:endParaRPr kumimoji="1" lang="ja-JP" altLang="en-US" dirty="0"/>
+                    </a:p>
+                  </a:txBody>
+                  <a:tcPr/>
+                </a:tc>
+                <a:tc hMerge="1">
+                  <a:txBody>
+                    <a:bodyPr/>
+                    <a:lstStyle/>
+                    <a:p>
+                      <a:endParaRPr kumimoji="1" lang="ja-JP" altLang="en-US" dirty="0"/>
+                    </a:p>
+                  </a:txBody>
+                  <a:tcPr/>
+                </a:tc>
+                <a:tc gridSpan="2">
+                  <a:txBody>
+                    <a:bodyPr/>
+                    <a:lstStyle/>
+                    <a:p>
+                      <a:endParaRPr kumimoji="1" lang="ja-JP" altLang="en-US" dirty="0"/>
+                    </a:p>
+                  </a:txBody>
+                  <a:tcPr/>
+                </a:tc>
+                <a:tc hMerge="1">
+                  <a:txBody>
+                    <a:bodyPr/>
+                    <a:lstStyle/>
+                    <a:p>
+                      <a:endParaRPr kumimoji="1" lang="ja-JP" altLang="en-US" dirty="0"/>
+                    </a:p>
+                  </a:txBody>
+                  <a:tcPr/>
+                </a:tc>
+                <a:tc gridSpan="2">
+                  <a:txBody>
+                    <a:bodyPr/>
+                    <a:lstStyle/>
+                    <a:p>
+                      <a:endParaRPr kumimoji="1" lang="ja-JP" altLang="en-US" dirty="0"/>
+                    </a:p>
+                  </a:txBody>
+                  <a:tcPr/>
+                </a:tc>
+                <a:tc hMerge="1">
+                  <a:txBody>
+                    <a:bodyPr/>
+                    <a:lstStyle/>
+                    <a:p>
+                      <a:endParaRPr kumimoji="1" lang="ja-JP" altLang="en-US" dirty="0"/>
+                    </a:p>
+                  </a:txBody>
+                  <a:tcPr/>
+                </a:tc>
+                <a:extLst>
+                  <a:ext uri="{0D108BD9-81ED-4DB2-BD59-A6C34878D82A}">
+                    <a16:rowId xmlns:a16="http://schemas.microsoft.com/office/drawing/2014/main" val="1064214821"/>
+                  </a:ext>
+                </a:extLst>
+              </a:tr>
+              <a:tr h="658334">
+                <a:tc>
+                  <a:txBody>
+                    <a:bodyPr/>
+                    <a:lstStyle/>
+                    <a:p>
+                      <a:endParaRPr kumimoji="1" lang="ja-JP" altLang="en-US" dirty="0"/>
+                    </a:p>
+                  </a:txBody>
+                  <a:tcPr/>
+                </a:tc>
+                <a:tc>
+                  <a:txBody>
+                    <a:bodyPr/>
+                    <a:lstStyle/>
+                    <a:p>
+                      <a:pPr algn="ctr"/>
+                      <a:r>
+                        <a:rPr lang="ja-JP" altLang="en-US" dirty="0" smtClean="0">
+                          <a:latin typeface="メイリオ" panose="020B0604030504040204" pitchFamily="50" charset="-128"/>
+                          <a:ea typeface="メイリオ" panose="020B0604030504040204" pitchFamily="50" charset="-128"/>
+                        </a:rPr>
+                        <a:t>問題</a:t>
+                      </a:r>
+                      <a:endParaRPr lang="ja-JP" altLang="en-US" dirty="0">
+                        <a:latin typeface="メイリオ" panose="020B0604030504040204" pitchFamily="50" charset="-128"/>
+                        <a:ea typeface="メイリオ" panose="020B0604030504040204" pitchFamily="50" charset="-128"/>
+                      </a:endParaRPr>
+                    </a:p>
+                  </a:txBody>
+                  <a:tcPr/>
+                </a:tc>
+                <a:tc>
+                  <a:txBody>
+                    <a:bodyPr/>
+                    <a:lstStyle/>
+                    <a:p>
+                      <a:endParaRPr lang="ja-JP" altLang="en-US" dirty="0"/>
+                    </a:p>
+                  </a:txBody>
+                  <a:tcPr/>
+                </a:tc>
+                <a:tc>
+                  <a:txBody>
+                    <a:bodyPr/>
+                    <a:lstStyle/>
+                    <a:p>
+                      <a:pPr marL="0" marR="0" indent="0" algn="ctr" defTabSz="914400" rtl="0" eaLnBrk="1" fontAlgn="auto" latinLnBrk="0" hangingPunct="1">
+                        <a:lnSpc>
+                          <a:spcPct val="100000"/>
+                        </a:lnSpc>
+                        <a:spcBef>
+                          <a:spcPts val="0"/>
+                        </a:spcBef>
+                        <a:spcAft>
+                          <a:spcPts val="0"/>
+                        </a:spcAft>
+                        <a:buClrTx/>
+                        <a:buSzTx/>
+                        <a:buFontTx/>
+                        <a:buNone/>
+                        <a:tabLst/>
+                        <a:defRPr/>
+                      </a:pPr>
+                      <a:r>
+                        <a:rPr lang="ja-JP" altLang="en-US" dirty="0" smtClean="0">
+                          <a:latin typeface="メイリオ" panose="020B0604030504040204" pitchFamily="50" charset="-128"/>
+                          <a:ea typeface="メイリオ" panose="020B0604030504040204" pitchFamily="50" charset="-128"/>
+                        </a:rPr>
+                        <a:t>問題</a:t>
+                      </a:r>
+                    </a:p>
+                    <a:p>
+                      <a:endParaRPr lang="ja-JP" altLang="en-US" dirty="0"/>
+                    </a:p>
+                  </a:txBody>
+                  <a:tcPr/>
+                </a:tc>
+                <a:tc>
+                  <a:txBody>
+                    <a:bodyPr/>
+                    <a:lstStyle/>
+                    <a:p>
+                      <a:endParaRPr lang="ja-JP" altLang="en-US" dirty="0"/>
+                    </a:p>
+                  </a:txBody>
+                  <a:tcPr/>
+                </a:tc>
+                <a:tc>
+                  <a:txBody>
+                    <a:bodyPr/>
+                    <a:lstStyle/>
+                    <a:p>
+                      <a:pPr marL="0" marR="0" indent="0" algn="ctr" defTabSz="914400" rtl="0" eaLnBrk="1" fontAlgn="auto" latinLnBrk="0" hangingPunct="1">
+                        <a:lnSpc>
+                          <a:spcPct val="100000"/>
+                        </a:lnSpc>
+                        <a:spcBef>
+                          <a:spcPts val="0"/>
+                        </a:spcBef>
+                        <a:spcAft>
+                          <a:spcPts val="0"/>
+                        </a:spcAft>
+                        <a:buClrTx/>
+                        <a:buSzTx/>
+                        <a:buFontTx/>
+                        <a:buNone/>
+                        <a:tabLst/>
+                        <a:defRPr/>
+                      </a:pPr>
+                      <a:r>
+                        <a:rPr lang="ja-JP" altLang="en-US" dirty="0" smtClean="0">
+                          <a:latin typeface="メイリオ" panose="020B0604030504040204" pitchFamily="50" charset="-128"/>
+                          <a:ea typeface="メイリオ" panose="020B0604030504040204" pitchFamily="50" charset="-128"/>
+                        </a:rPr>
+                        <a:t>問題</a:t>
+                      </a:r>
+                    </a:p>
+                  </a:txBody>
+                  <a:tcPr/>
+                </a:tc>
+                <a:tc>
+                  <a:txBody>
+                    <a:bodyPr/>
+                    <a:lstStyle/>
+                    <a:p>
+                      <a:endParaRPr lang="ja-JP" altLang="en-US"/>
+                    </a:p>
+                  </a:txBody>
+                  <a:tcPr/>
+                </a:tc>
+                <a:tc>
+                  <a:txBody>
+                    <a:bodyPr/>
+                    <a:lstStyle/>
+                    <a:p>
+                      <a:pPr marL="0" marR="0" indent="0" algn="ctr" defTabSz="914400" rtl="0" eaLnBrk="1" fontAlgn="auto" latinLnBrk="0" hangingPunct="1">
+                        <a:lnSpc>
+                          <a:spcPct val="100000"/>
+                        </a:lnSpc>
+                        <a:spcBef>
+                          <a:spcPts val="0"/>
+                        </a:spcBef>
+                        <a:spcAft>
+                          <a:spcPts val="0"/>
+                        </a:spcAft>
+                        <a:buClrTx/>
+                        <a:buSzTx/>
+                        <a:buFontTx/>
+                        <a:buNone/>
+                        <a:tabLst/>
+                        <a:defRPr/>
+                      </a:pPr>
+                      <a:r>
+                        <a:rPr lang="ja-JP" altLang="en-US" dirty="0" smtClean="0">
+                          <a:latin typeface="メイリオ" panose="020B0604030504040204" pitchFamily="50" charset="-128"/>
+                          <a:ea typeface="メイリオ" panose="020B0604030504040204" pitchFamily="50" charset="-128"/>
+                        </a:rPr>
+                        <a:t>問題</a:t>
+                      </a:r>
+                    </a:p>
+                  </a:txBody>
+                  <a:tcPr/>
+                </a:tc>
+                <a:tc>
+                  <a:txBody>
+                    <a:bodyPr/>
+                    <a:lstStyle/>
+                    <a:p>
+                      <a:endParaRPr lang="ja-JP" altLang="en-US"/>
+                    </a:p>
+                  </a:txBody>
+                  <a:tcPr/>
+                </a:tc>
+                <a:tc>
+                  <a:txBody>
+                    <a:bodyPr/>
+                    <a:lstStyle/>
+                    <a:p>
+                      <a:pPr marL="0" marR="0" indent="0" algn="ctr" defTabSz="914400" rtl="0" eaLnBrk="1" fontAlgn="auto" latinLnBrk="0" hangingPunct="1">
+                        <a:lnSpc>
+                          <a:spcPct val="100000"/>
+                        </a:lnSpc>
+                        <a:spcBef>
+                          <a:spcPts val="0"/>
+                        </a:spcBef>
+                        <a:spcAft>
+                          <a:spcPts val="0"/>
+                        </a:spcAft>
+                        <a:buClrTx/>
+                        <a:buSzTx/>
+                        <a:buFontTx/>
+                        <a:buNone/>
+                        <a:tabLst/>
+                        <a:defRPr/>
+                      </a:pPr>
+                      <a:r>
+                        <a:rPr lang="ja-JP" altLang="en-US" dirty="0" smtClean="0">
+                          <a:latin typeface="メイリオ" panose="020B0604030504040204" pitchFamily="50" charset="-128"/>
+                          <a:ea typeface="メイリオ" panose="020B0604030504040204" pitchFamily="50" charset="-128"/>
+                        </a:rPr>
+                        <a:t>問題</a:t>
+                      </a:r>
+                    </a:p>
+                    <a:p>
+                      <a:endParaRPr lang="ja-JP" altLang="en-US" dirty="0"/>
+                    </a:p>
+                  </a:txBody>
+                  <a:tcPr/>
+                </a:tc>
+                <a:tc>
+                  <a:txBody>
+                    <a:bodyPr/>
+                    <a:lstStyle/>
+                    <a:p>
+                      <a:endParaRPr lang="ja-JP" altLang="en-US"/>
+                    </a:p>
+                  </a:txBody>
+                  <a:tcPr/>
+                </a:tc>
+                <a:tc>
+                  <a:txBody>
+                    <a:bodyPr/>
+                    <a:lstStyle/>
+                    <a:p>
+                      <a:pPr marL="0" marR="0" indent="0" algn="ctr" defTabSz="914400" rtl="0" eaLnBrk="1" fontAlgn="auto" latinLnBrk="0" hangingPunct="1">
+                        <a:lnSpc>
+                          <a:spcPct val="100000"/>
+                        </a:lnSpc>
+                        <a:spcBef>
+                          <a:spcPts val="0"/>
+                        </a:spcBef>
+                        <a:spcAft>
+                          <a:spcPts val="0"/>
+                        </a:spcAft>
+                        <a:buClrTx/>
+                        <a:buSzTx/>
+                        <a:buFontTx/>
+                        <a:buNone/>
+                        <a:tabLst/>
+                        <a:defRPr/>
+                      </a:pPr>
+                      <a:r>
+                        <a:rPr lang="ja-JP" altLang="en-US" dirty="0" smtClean="0">
+                          <a:latin typeface="メイリオ" panose="020B0604030504040204" pitchFamily="50" charset="-128"/>
+                          <a:ea typeface="メイリオ" panose="020B0604030504040204" pitchFamily="50" charset="-128"/>
+                        </a:rPr>
+                        <a:t>問題</a:t>
+                      </a:r>
+                    </a:p>
+                  </a:txBody>
+                  <a:tcPr/>
+                </a:tc>
+                <a:tc>
+                  <a:txBody>
+                    <a:bodyPr/>
+                    <a:lstStyle/>
+                    <a:p>
+                      <a:endParaRPr lang="ja-JP" altLang="en-US"/>
+                    </a:p>
+                  </a:txBody>
+                  <a:tcPr/>
+                </a:tc>
+                <a:tc>
+                  <a:txBody>
+                    <a:bodyPr/>
+                    <a:lstStyle/>
+                    <a:p>
+                      <a:pPr marL="0" marR="0" indent="0" algn="ctr" defTabSz="914400" rtl="0" eaLnBrk="1" fontAlgn="auto" latinLnBrk="0" hangingPunct="1">
+                        <a:lnSpc>
+                          <a:spcPct val="100000"/>
+                        </a:lnSpc>
+                        <a:spcBef>
+                          <a:spcPts val="0"/>
+                        </a:spcBef>
+                        <a:spcAft>
+                          <a:spcPts val="0"/>
+                        </a:spcAft>
+                        <a:buClrTx/>
+                        <a:buSzTx/>
+                        <a:buFontTx/>
+                        <a:buNone/>
+                        <a:tabLst/>
+                        <a:defRPr/>
+                      </a:pPr>
+                      <a:r>
+                        <a:rPr lang="ja-JP" altLang="en-US" dirty="0" smtClean="0">
+                          <a:latin typeface="メイリオ" panose="020B0604030504040204" pitchFamily="50" charset="-128"/>
+                          <a:ea typeface="メイリオ" panose="020B0604030504040204" pitchFamily="50" charset="-128"/>
+                        </a:rPr>
+                        <a:t>問題</a:t>
+                      </a:r>
+                    </a:p>
+                  </a:txBody>
+                  <a:tcPr/>
+                </a:tc>
+                <a:tc>
+                  <a:txBody>
+                    <a:bodyPr/>
+                    <a:lstStyle/>
+                    <a:p>
+                      <a:endParaRPr lang="ja-JP" altLang="en-US" dirty="0"/>
+                    </a:p>
+                  </a:txBody>
+                  <a:tcPr/>
+                </a:tc>
+                <a:tc>
+                  <a:txBody>
+                    <a:bodyPr/>
+                    <a:lstStyle/>
+                    <a:p>
+                      <a:pPr marL="0" marR="0" indent="0" algn="ctr" defTabSz="914400" rtl="0" eaLnBrk="1" fontAlgn="auto" latinLnBrk="0" hangingPunct="1">
+                        <a:lnSpc>
+                          <a:spcPct val="100000"/>
+                        </a:lnSpc>
+                        <a:spcBef>
+                          <a:spcPts val="0"/>
+                        </a:spcBef>
+                        <a:spcAft>
+                          <a:spcPts val="0"/>
+                        </a:spcAft>
+                        <a:buClrTx/>
+                        <a:buSzTx/>
+                        <a:buFontTx/>
+                        <a:buNone/>
+                        <a:tabLst/>
+                        <a:defRPr/>
+                      </a:pPr>
+                      <a:r>
+                        <a:rPr lang="ja-JP" altLang="en-US" dirty="0" smtClean="0">
+                          <a:latin typeface="メイリオ" panose="020B0604030504040204" pitchFamily="50" charset="-128"/>
+                          <a:ea typeface="メイリオ" panose="020B0604030504040204" pitchFamily="50" charset="-128"/>
+                        </a:rPr>
+                        <a:t>問題</a:t>
+                      </a:r>
+                    </a:p>
+                  </a:txBody>
+                  <a:tcPr/>
+                </a:tc>
+                <a:tc>
+                  <a:txBody>
+                    <a:bodyPr/>
+                    <a:lstStyle/>
+                    <a:p>
+                      <a:endParaRPr lang="ja-JP" altLang="en-US" dirty="0"/>
+                    </a:p>
+                  </a:txBody>
+                  <a:tcPr/>
+                </a:tc>
+                <a:extLst>
+                  <a:ext uri="{0D108BD9-81ED-4DB2-BD59-A6C34878D82A}">
+                    <a16:rowId xmlns:a16="http://schemas.microsoft.com/office/drawing/2014/main" val="46860866"/>
+                  </a:ext>
+                </a:extLst>
+              </a:tr>
+              <a:tr h="658334">
+                <a:tc>
+                  <a:txBody>
+                    <a:bodyPr/>
+                    <a:lstStyle/>
+                    <a:p>
+                      <a:pPr algn="ctr"/>
+                      <a:r>
+                        <a:rPr kumimoji="1" lang="en-US" altLang="ja-JP" dirty="0" smtClean="0">
+                          <a:latin typeface="メイリオ" panose="020B0604030504040204" pitchFamily="50" charset="-128"/>
+                          <a:ea typeface="メイリオ" panose="020B0604030504040204" pitchFamily="50" charset="-128"/>
+                        </a:rPr>
+                        <a:t>1</a:t>
+                      </a:r>
+                      <a:r>
+                        <a:rPr kumimoji="1" lang="ja-JP" altLang="en-US" dirty="0" smtClean="0">
+                          <a:latin typeface="メイリオ" panose="020B0604030504040204" pitchFamily="50" charset="-128"/>
+                          <a:ea typeface="メイリオ" panose="020B0604030504040204" pitchFamily="50" charset="-128"/>
+                        </a:rPr>
+                        <a:t>回目</a:t>
+                      </a:r>
+                      <a:endParaRPr kumimoji="1" lang="ja-JP" altLang="en-US" dirty="0">
+                        <a:latin typeface="メイリオ" panose="020B0604030504040204" pitchFamily="50" charset="-128"/>
+                        <a:ea typeface="メイリオ" panose="020B0604030504040204" pitchFamily="50" charset="-128"/>
+                      </a:endParaRPr>
+                    </a:p>
+                  </a:txBody>
+                  <a:tcPr/>
+                </a:tc>
+                <a:tc>
+                  <a:txBody>
+                    <a:bodyPr/>
+                    <a:lstStyle/>
+                    <a:p>
+                      <a:pPr algn="ctr"/>
+                      <a:r>
+                        <a:rPr kumimoji="1" lang="ja-JP" altLang="en-US" sz="1800" dirty="0" smtClean="0">
+                          <a:latin typeface="メイリオ" panose="020B0604030504040204" pitchFamily="50" charset="-128"/>
+                          <a:ea typeface="メイリオ" panose="020B0604030504040204" pitchFamily="50" charset="-128"/>
+                        </a:rPr>
+                        <a:t>問題</a:t>
+                      </a:r>
+                      <a:r>
+                        <a:rPr kumimoji="1" lang="en-US" altLang="ja-JP" sz="1800" dirty="0" smtClean="0">
+                          <a:latin typeface="メイリオ" panose="020B0604030504040204" pitchFamily="50" charset="-128"/>
+                          <a:ea typeface="メイリオ" panose="020B0604030504040204" pitchFamily="50" charset="-128"/>
+                        </a:rPr>
+                        <a:t>1</a:t>
+                      </a:r>
+                      <a:endParaRPr kumimoji="1" lang="ja-JP" altLang="en-US" sz="1800" dirty="0">
+                        <a:latin typeface="メイリオ" panose="020B0604030504040204" pitchFamily="50" charset="-128"/>
+                        <a:ea typeface="メイリオ" panose="020B0604030504040204" pitchFamily="50" charset="-128"/>
+                      </a:endParaRPr>
+                    </a:p>
+                  </a:txBody>
+                  <a:tcPr/>
+                </a:tc>
+                <a:tc>
+                  <a:txBody>
+                    <a:bodyPr/>
+                    <a:lstStyle/>
+                    <a:p>
+                      <a:pPr algn="ctr"/>
+                      <a:endParaRPr kumimoji="1" lang="ja-JP" altLang="en-US" dirty="0">
+                        <a:latin typeface="メイリオ" panose="020B0604030504040204" pitchFamily="50" charset="-128"/>
+                        <a:ea typeface="メイリオ" panose="020B0604030504040204" pitchFamily="50" charset="-128"/>
+                      </a:endParaRPr>
+                    </a:p>
+                  </a:txBody>
+                  <a:tcPr/>
+                </a:tc>
+                <a:tc>
+                  <a:txBody>
+                    <a:bodyPr/>
+                    <a:lstStyle/>
+                    <a:p>
+                      <a:pPr algn="ctr"/>
+                      <a:r>
+                        <a:rPr kumimoji="1" lang="ja-JP" altLang="en-US" sz="1800" dirty="0" smtClean="0">
+                          <a:latin typeface="メイリオ" panose="020B0604030504040204" pitchFamily="50" charset="-128"/>
+                          <a:ea typeface="メイリオ" panose="020B0604030504040204" pitchFamily="50" charset="-128"/>
+                        </a:rPr>
+                        <a:t>問題</a:t>
+                      </a:r>
+                      <a:r>
+                        <a:rPr kumimoji="1" lang="en-US" altLang="ja-JP" sz="1800" dirty="0" smtClean="0">
+                          <a:latin typeface="メイリオ" panose="020B0604030504040204" pitchFamily="50" charset="-128"/>
+                          <a:ea typeface="メイリオ" panose="020B0604030504040204" pitchFamily="50" charset="-128"/>
+                        </a:rPr>
+                        <a:t>1</a:t>
+                      </a:r>
+                      <a:endParaRPr kumimoji="1" lang="ja-JP" altLang="en-US" sz="1800" dirty="0">
+                        <a:latin typeface="メイリオ" panose="020B0604030504040204" pitchFamily="50" charset="-128"/>
+                        <a:ea typeface="メイリオ" panose="020B0604030504040204" pitchFamily="50" charset="-128"/>
+                      </a:endParaRPr>
+                    </a:p>
+                  </a:txBody>
+                  <a:tcPr/>
+                </a:tc>
+                <a:tc>
+                  <a:txBody>
+                    <a:bodyPr/>
+                    <a:lstStyle/>
+                    <a:p>
+                      <a:pPr algn="ctr"/>
+                      <a:r>
+                        <a:rPr kumimoji="1" lang="ja-JP" altLang="en-US" dirty="0" smtClean="0">
+                          <a:latin typeface="メイリオ" panose="020B0604030504040204" pitchFamily="50" charset="-128"/>
+                          <a:ea typeface="メイリオ" panose="020B0604030504040204" pitchFamily="50" charset="-128"/>
+                        </a:rPr>
+                        <a:t>〇</a:t>
+                      </a:r>
+                      <a:endParaRPr kumimoji="1" lang="ja-JP" altLang="en-US" dirty="0">
+                        <a:latin typeface="メイリオ" panose="020B0604030504040204" pitchFamily="50" charset="-128"/>
+                        <a:ea typeface="メイリオ" panose="020B0604030504040204" pitchFamily="50" charset="-128"/>
+                      </a:endParaRPr>
+                    </a:p>
+                  </a:txBody>
+                  <a:tcPr/>
+                </a:tc>
+                <a:tc>
+                  <a:txBody>
+                    <a:bodyPr/>
+                    <a:lstStyle/>
+                    <a:p>
+                      <a:pPr algn="ctr"/>
+                      <a:r>
+                        <a:rPr kumimoji="1" lang="ja-JP" altLang="en-US" sz="1800" dirty="0" smtClean="0">
+                          <a:latin typeface="メイリオ" panose="020B0604030504040204" pitchFamily="50" charset="-128"/>
+                          <a:ea typeface="メイリオ" panose="020B0604030504040204" pitchFamily="50" charset="-128"/>
+                        </a:rPr>
+                        <a:t>問題</a:t>
+                      </a:r>
+                      <a:r>
+                        <a:rPr kumimoji="1" lang="en-US" altLang="ja-JP" sz="1800" dirty="0" smtClean="0">
+                          <a:latin typeface="メイリオ" panose="020B0604030504040204" pitchFamily="50" charset="-128"/>
+                          <a:ea typeface="メイリオ" panose="020B0604030504040204" pitchFamily="50" charset="-128"/>
+                        </a:rPr>
+                        <a:t>2</a:t>
+                      </a:r>
+                      <a:endParaRPr kumimoji="1" lang="ja-JP" altLang="en-US" sz="1800" dirty="0">
+                        <a:latin typeface="メイリオ" panose="020B0604030504040204" pitchFamily="50" charset="-128"/>
+                        <a:ea typeface="メイリオ" panose="020B0604030504040204" pitchFamily="50" charset="-128"/>
+                      </a:endParaRPr>
+                    </a:p>
+                  </a:txBody>
+                  <a:tcPr/>
+                </a:tc>
+                <a:tc>
+                  <a:txBody>
+                    <a:bodyPr/>
+                    <a:lstStyle/>
+                    <a:p>
+                      <a:pPr algn="ctr"/>
+                      <a:endParaRPr kumimoji="1" lang="ja-JP" altLang="en-US" dirty="0">
+                        <a:latin typeface="メイリオ" panose="020B0604030504040204" pitchFamily="50" charset="-128"/>
+                        <a:ea typeface="メイリオ" panose="020B0604030504040204" pitchFamily="50" charset="-128"/>
+                      </a:endParaRPr>
+                    </a:p>
+                  </a:txBody>
+                  <a:tcPr/>
+                </a:tc>
+                <a:tc>
+                  <a:txBody>
+                    <a:bodyPr/>
+                    <a:lstStyle/>
+                    <a:p>
+                      <a:pPr algn="ctr"/>
+                      <a:r>
+                        <a:rPr kumimoji="1" lang="ja-JP" altLang="en-US" sz="1800" dirty="0" smtClean="0">
+                          <a:latin typeface="メイリオ" panose="020B0604030504040204" pitchFamily="50" charset="-128"/>
+                          <a:ea typeface="メイリオ" panose="020B0604030504040204" pitchFamily="50" charset="-128"/>
+                        </a:rPr>
+                        <a:t>問題</a:t>
+                      </a:r>
+                      <a:r>
+                        <a:rPr kumimoji="1" lang="en-US" altLang="ja-JP" sz="1800" dirty="0" smtClean="0">
+                          <a:latin typeface="メイリオ" panose="020B0604030504040204" pitchFamily="50" charset="-128"/>
+                          <a:ea typeface="メイリオ" panose="020B0604030504040204" pitchFamily="50" charset="-128"/>
+                        </a:rPr>
+                        <a:t>2</a:t>
+                      </a:r>
+                      <a:endParaRPr kumimoji="1" lang="ja-JP" altLang="en-US" sz="1800" dirty="0">
+                        <a:latin typeface="メイリオ" panose="020B0604030504040204" pitchFamily="50" charset="-128"/>
+                        <a:ea typeface="メイリオ" panose="020B0604030504040204" pitchFamily="50" charset="-128"/>
+                      </a:endParaRPr>
+                    </a:p>
+                  </a:txBody>
+                  <a:tcPr/>
+                </a:tc>
+                <a:tc>
+                  <a:txBody>
+                    <a:bodyPr/>
+                    <a:lstStyle/>
+                    <a:p>
+                      <a:pPr algn="ctr"/>
+                      <a:r>
+                        <a:rPr kumimoji="1" lang="ja-JP" altLang="en-US" dirty="0" smtClean="0">
+                          <a:latin typeface="メイリオ" panose="020B0604030504040204" pitchFamily="50" charset="-128"/>
+                          <a:ea typeface="メイリオ" panose="020B0604030504040204" pitchFamily="50" charset="-128"/>
+                        </a:rPr>
+                        <a:t>〇</a:t>
+                      </a:r>
+                      <a:endParaRPr kumimoji="1" lang="ja-JP" altLang="en-US" dirty="0">
+                        <a:latin typeface="メイリオ" panose="020B0604030504040204" pitchFamily="50" charset="-128"/>
+                        <a:ea typeface="メイリオ" panose="020B0604030504040204" pitchFamily="50" charset="-128"/>
+                      </a:endParaRPr>
+                    </a:p>
+                  </a:txBody>
+                  <a:tcPr/>
+                </a:tc>
+                <a:tc>
+                  <a:txBody>
+                    <a:bodyPr/>
+                    <a:lstStyle/>
+                    <a:p>
+                      <a:pPr algn="ctr"/>
+                      <a:r>
+                        <a:rPr kumimoji="1" lang="ja-JP" altLang="en-US" sz="1800" dirty="0" smtClean="0">
+                          <a:latin typeface="メイリオ" panose="020B0604030504040204" pitchFamily="50" charset="-128"/>
+                          <a:ea typeface="メイリオ" panose="020B0604030504040204" pitchFamily="50" charset="-128"/>
+                        </a:rPr>
+                        <a:t>問題</a:t>
+                      </a:r>
+                      <a:r>
+                        <a:rPr kumimoji="1" lang="en-US" altLang="ja-JP" sz="1800" dirty="0" smtClean="0">
+                          <a:latin typeface="メイリオ" panose="020B0604030504040204" pitchFamily="50" charset="-128"/>
+                          <a:ea typeface="メイリオ" panose="020B0604030504040204" pitchFamily="50" charset="-128"/>
+                        </a:rPr>
+                        <a:t>3</a:t>
+                      </a:r>
+                      <a:endParaRPr kumimoji="1" lang="ja-JP" altLang="en-US" sz="1800" dirty="0">
+                        <a:latin typeface="メイリオ" panose="020B0604030504040204" pitchFamily="50" charset="-128"/>
+                        <a:ea typeface="メイリオ" panose="020B0604030504040204" pitchFamily="50" charset="-128"/>
+                      </a:endParaRPr>
+                    </a:p>
+                  </a:txBody>
+                  <a:tcPr/>
+                </a:tc>
+                <a:tc>
+                  <a:txBody>
+                    <a:bodyPr/>
+                    <a:lstStyle/>
+                    <a:p>
+                      <a:pPr algn="ctr"/>
+                      <a:endParaRPr kumimoji="1" lang="ja-JP" altLang="en-US" dirty="0">
+                        <a:latin typeface="メイリオ" panose="020B0604030504040204" pitchFamily="50" charset="-128"/>
+                        <a:ea typeface="メイリオ" panose="020B0604030504040204" pitchFamily="50" charset="-128"/>
+                      </a:endParaRPr>
+                    </a:p>
+                  </a:txBody>
+                  <a:tcPr/>
+                </a:tc>
+                <a:tc>
+                  <a:txBody>
+                    <a:bodyPr/>
+                    <a:lstStyle/>
+                    <a:p>
+                      <a:pPr algn="ctr"/>
+                      <a:r>
+                        <a:rPr kumimoji="1" lang="ja-JP" altLang="en-US" sz="1800" dirty="0" smtClean="0">
+                          <a:latin typeface="メイリオ" panose="020B0604030504040204" pitchFamily="50" charset="-128"/>
+                          <a:ea typeface="メイリオ" panose="020B0604030504040204" pitchFamily="50" charset="-128"/>
+                        </a:rPr>
+                        <a:t>問題</a:t>
+                      </a:r>
+                      <a:r>
+                        <a:rPr kumimoji="1" lang="en-US" altLang="ja-JP" sz="1800" dirty="0" smtClean="0">
+                          <a:latin typeface="メイリオ" panose="020B0604030504040204" pitchFamily="50" charset="-128"/>
+                          <a:ea typeface="メイリオ" panose="020B0604030504040204" pitchFamily="50" charset="-128"/>
+                        </a:rPr>
+                        <a:t>3</a:t>
+                      </a:r>
+                      <a:endParaRPr kumimoji="1" lang="ja-JP" altLang="en-US" sz="1800" dirty="0">
+                        <a:latin typeface="メイリオ" panose="020B0604030504040204" pitchFamily="50" charset="-128"/>
+                        <a:ea typeface="メイリオ" panose="020B0604030504040204" pitchFamily="50" charset="-128"/>
+                      </a:endParaRPr>
+                    </a:p>
+                  </a:txBody>
+                  <a:tcPr/>
+                </a:tc>
+                <a:tc>
+                  <a:txBody>
+                    <a:bodyPr/>
+                    <a:lstStyle/>
+                    <a:p>
+                      <a:pPr algn="ctr"/>
+                      <a:r>
+                        <a:rPr kumimoji="1" lang="ja-JP" altLang="en-US" dirty="0" smtClean="0">
+                          <a:latin typeface="メイリオ" panose="020B0604030504040204" pitchFamily="50" charset="-128"/>
+                          <a:ea typeface="メイリオ" panose="020B0604030504040204" pitchFamily="50" charset="-128"/>
+                        </a:rPr>
+                        <a:t>〇</a:t>
+                      </a:r>
+                      <a:endParaRPr kumimoji="1" lang="ja-JP" altLang="en-US" dirty="0">
+                        <a:latin typeface="メイリオ" panose="020B0604030504040204" pitchFamily="50" charset="-128"/>
+                        <a:ea typeface="メイリオ" panose="020B0604030504040204" pitchFamily="50" charset="-128"/>
+                      </a:endParaRPr>
+                    </a:p>
+                  </a:txBody>
+                  <a:tcPr/>
+                </a:tc>
+                <a:tc>
+                  <a:txBody>
+                    <a:bodyPr/>
+                    <a:lstStyle/>
+                    <a:p>
+                      <a:pPr algn="ctr"/>
+                      <a:r>
+                        <a:rPr kumimoji="1" lang="ja-JP" altLang="en-US" sz="1800" dirty="0" smtClean="0">
+                          <a:latin typeface="メイリオ" panose="020B0604030504040204" pitchFamily="50" charset="-128"/>
+                          <a:ea typeface="メイリオ" panose="020B0604030504040204" pitchFamily="50" charset="-128"/>
+                        </a:rPr>
+                        <a:t>問題</a:t>
+                      </a:r>
+                      <a:r>
+                        <a:rPr kumimoji="1" lang="en-US" altLang="ja-JP" sz="1800" dirty="0" smtClean="0">
+                          <a:latin typeface="メイリオ" panose="020B0604030504040204" pitchFamily="50" charset="-128"/>
+                          <a:ea typeface="メイリオ" panose="020B0604030504040204" pitchFamily="50" charset="-128"/>
+                        </a:rPr>
+                        <a:t>1</a:t>
+                      </a:r>
+                      <a:endParaRPr kumimoji="1" lang="ja-JP" altLang="en-US" sz="1800" dirty="0">
+                        <a:latin typeface="メイリオ" panose="020B0604030504040204" pitchFamily="50" charset="-128"/>
+                        <a:ea typeface="メイリオ" panose="020B0604030504040204" pitchFamily="50" charset="-128"/>
+                      </a:endParaRPr>
+                    </a:p>
+                  </a:txBody>
+                  <a:tcPr/>
+                </a:tc>
+                <a:tc>
+                  <a:txBody>
+                    <a:bodyPr/>
+                    <a:lstStyle/>
+                    <a:p>
+                      <a:pPr algn="ctr"/>
+                      <a:r>
+                        <a:rPr kumimoji="1" lang="ja-JP" altLang="en-US" dirty="0" smtClean="0">
+                          <a:latin typeface="メイリオ" panose="020B0604030504040204" pitchFamily="50" charset="-128"/>
+                          <a:ea typeface="メイリオ" panose="020B0604030504040204" pitchFamily="50" charset="-128"/>
+                        </a:rPr>
+                        <a:t>〇</a:t>
+                      </a:r>
+                      <a:endParaRPr kumimoji="1" lang="ja-JP" altLang="en-US" dirty="0">
+                        <a:latin typeface="メイリオ" panose="020B0604030504040204" pitchFamily="50" charset="-128"/>
+                        <a:ea typeface="メイリオ" panose="020B0604030504040204" pitchFamily="50" charset="-128"/>
+                      </a:endParaRPr>
+                    </a:p>
+                  </a:txBody>
+                  <a:tcPr/>
+                </a:tc>
+                <a:tc>
+                  <a:txBody>
+                    <a:bodyPr/>
+                    <a:lstStyle/>
+                    <a:p>
+                      <a:pPr algn="ctr"/>
+                      <a:r>
+                        <a:rPr kumimoji="1" lang="ja-JP" altLang="en-US" sz="1800" dirty="0" smtClean="0">
+                          <a:latin typeface="メイリオ" panose="020B0604030504040204" pitchFamily="50" charset="-128"/>
+                          <a:ea typeface="メイリオ" panose="020B0604030504040204" pitchFamily="50" charset="-128"/>
+                        </a:rPr>
+                        <a:t>問題</a:t>
+                      </a:r>
+                      <a:r>
+                        <a:rPr kumimoji="1" lang="en-US" altLang="ja-JP" sz="1800" dirty="0" smtClean="0">
+                          <a:latin typeface="メイリオ" panose="020B0604030504040204" pitchFamily="50" charset="-128"/>
+                          <a:ea typeface="メイリオ" panose="020B0604030504040204" pitchFamily="50" charset="-128"/>
+                        </a:rPr>
+                        <a:t>1</a:t>
+                      </a:r>
+                      <a:endParaRPr kumimoji="1" lang="ja-JP" altLang="en-US" sz="1800" dirty="0">
+                        <a:latin typeface="メイリオ" panose="020B0604030504040204" pitchFamily="50" charset="-128"/>
+                        <a:ea typeface="メイリオ" panose="020B0604030504040204" pitchFamily="50" charset="-128"/>
+                      </a:endParaRPr>
+                    </a:p>
+                  </a:txBody>
+                  <a:tcPr/>
+                </a:tc>
+                <a:tc>
+                  <a:txBody>
+                    <a:bodyPr/>
+                    <a:lstStyle/>
+                    <a:p>
+                      <a:pPr algn="ctr"/>
+                      <a:endParaRPr kumimoji="1" lang="ja-JP" altLang="en-US" dirty="0">
+                        <a:latin typeface="メイリオ" panose="020B0604030504040204" pitchFamily="50" charset="-128"/>
+                        <a:ea typeface="メイリオ" panose="020B0604030504040204" pitchFamily="50" charset="-128"/>
+                      </a:endParaRPr>
+                    </a:p>
+                  </a:txBody>
+                  <a:tcPr/>
+                </a:tc>
+                <a:extLst>
+                  <a:ext uri="{0D108BD9-81ED-4DB2-BD59-A6C34878D82A}">
+                    <a16:rowId xmlns:a16="http://schemas.microsoft.com/office/drawing/2014/main" val="71211332"/>
+                  </a:ext>
+                </a:extLst>
+              </a:tr>
+              <a:tr h="658334">
+                <a:tc>
+                  <a:txBody>
+                    <a:bodyPr/>
+                    <a:lstStyle/>
+                    <a:p>
+                      <a:pPr algn="ctr"/>
+                      <a:r>
+                        <a:rPr kumimoji="1" lang="en-US" altLang="ja-JP" dirty="0" smtClean="0">
+                          <a:latin typeface="メイリオ" panose="020B0604030504040204" pitchFamily="50" charset="-128"/>
+                          <a:ea typeface="メイリオ" panose="020B0604030504040204" pitchFamily="50" charset="-128"/>
+                        </a:rPr>
+                        <a:t>2</a:t>
+                      </a:r>
+                      <a:r>
+                        <a:rPr kumimoji="1" lang="ja-JP" altLang="en-US" dirty="0" smtClean="0">
+                          <a:latin typeface="メイリオ" panose="020B0604030504040204" pitchFamily="50" charset="-128"/>
+                          <a:ea typeface="メイリオ" panose="020B0604030504040204" pitchFamily="50" charset="-128"/>
+                        </a:rPr>
+                        <a:t>回目</a:t>
+                      </a:r>
+                      <a:endParaRPr kumimoji="1" lang="ja-JP" altLang="en-US" dirty="0">
+                        <a:latin typeface="メイリオ" panose="020B0604030504040204" pitchFamily="50" charset="-128"/>
+                        <a:ea typeface="メイリオ" panose="020B0604030504040204" pitchFamily="50" charset="-128"/>
+                      </a:endParaRPr>
+                    </a:p>
+                  </a:txBody>
+                  <a:tcPr/>
+                </a:tc>
+                <a:tc>
+                  <a:txBody>
+                    <a:bodyPr/>
+                    <a:lstStyle/>
+                    <a:p>
+                      <a:pPr algn="ctr"/>
+                      <a:r>
+                        <a:rPr kumimoji="1" lang="ja-JP" altLang="en-US" sz="1800" dirty="0" smtClean="0">
+                          <a:latin typeface="メイリオ" panose="020B0604030504040204" pitchFamily="50" charset="-128"/>
+                          <a:ea typeface="メイリオ" panose="020B0604030504040204" pitchFamily="50" charset="-128"/>
+                        </a:rPr>
+                        <a:t>問題</a:t>
+                      </a:r>
+                      <a:r>
+                        <a:rPr kumimoji="1" lang="en-US" altLang="ja-JP" sz="1800" dirty="0" smtClean="0">
+                          <a:latin typeface="メイリオ" panose="020B0604030504040204" pitchFamily="50" charset="-128"/>
+                          <a:ea typeface="メイリオ" panose="020B0604030504040204" pitchFamily="50" charset="-128"/>
+                        </a:rPr>
+                        <a:t>2</a:t>
+                      </a:r>
+                      <a:endParaRPr kumimoji="1" lang="ja-JP" altLang="en-US" sz="1800" dirty="0">
+                        <a:latin typeface="メイリオ" panose="020B0604030504040204" pitchFamily="50" charset="-128"/>
+                        <a:ea typeface="メイリオ" panose="020B0604030504040204" pitchFamily="50" charset="-128"/>
+                      </a:endParaRPr>
+                    </a:p>
+                  </a:txBody>
+                  <a:tcPr/>
+                </a:tc>
+                <a:tc>
+                  <a:txBody>
+                    <a:bodyPr/>
+                    <a:lstStyle/>
+                    <a:p>
+                      <a:pPr algn="ctr"/>
+                      <a:r>
+                        <a:rPr kumimoji="1" lang="ja-JP" altLang="en-US" dirty="0" smtClean="0">
+                          <a:latin typeface="メイリオ" panose="020B0604030504040204" pitchFamily="50" charset="-128"/>
+                          <a:ea typeface="メイリオ" panose="020B0604030504040204" pitchFamily="50" charset="-128"/>
+                        </a:rPr>
+                        <a:t>〇</a:t>
+                      </a:r>
+                      <a:endParaRPr kumimoji="1" lang="ja-JP" altLang="en-US" dirty="0">
+                        <a:latin typeface="メイリオ" panose="020B0604030504040204" pitchFamily="50" charset="-128"/>
+                        <a:ea typeface="メイリオ" panose="020B0604030504040204" pitchFamily="50" charset="-128"/>
+                      </a:endParaRPr>
+                    </a:p>
+                  </a:txBody>
+                  <a:tcPr/>
+                </a:tc>
+                <a:tc>
+                  <a:txBody>
+                    <a:bodyPr/>
+                    <a:lstStyle/>
+                    <a:p>
+                      <a:pPr algn="ctr"/>
+                      <a:r>
+                        <a:rPr kumimoji="1" lang="ja-JP" altLang="en-US" sz="1800" dirty="0" smtClean="0">
+                          <a:latin typeface="メイリオ" panose="020B0604030504040204" pitchFamily="50" charset="-128"/>
+                          <a:ea typeface="メイリオ" panose="020B0604030504040204" pitchFamily="50" charset="-128"/>
+                        </a:rPr>
+                        <a:t>問題</a:t>
+                      </a:r>
+                      <a:r>
+                        <a:rPr kumimoji="1" lang="en-US" altLang="ja-JP" sz="1800" dirty="0" smtClean="0">
+                          <a:latin typeface="メイリオ" panose="020B0604030504040204" pitchFamily="50" charset="-128"/>
+                          <a:ea typeface="メイリオ" panose="020B0604030504040204" pitchFamily="50" charset="-128"/>
+                        </a:rPr>
+                        <a:t>3</a:t>
+                      </a:r>
+                      <a:endParaRPr kumimoji="1" lang="ja-JP" altLang="en-US" sz="1800" dirty="0">
+                        <a:latin typeface="メイリオ" panose="020B0604030504040204" pitchFamily="50" charset="-128"/>
+                        <a:ea typeface="メイリオ" panose="020B0604030504040204" pitchFamily="50" charset="-128"/>
+                      </a:endParaRPr>
+                    </a:p>
+                  </a:txBody>
+                  <a:tcPr/>
+                </a:tc>
+                <a:tc>
+                  <a:txBody>
+                    <a:bodyPr/>
+                    <a:lstStyle/>
+                    <a:p>
+                      <a:pPr algn="ctr"/>
+                      <a:endParaRPr kumimoji="1" lang="ja-JP" altLang="en-US" dirty="0">
+                        <a:latin typeface="メイリオ" panose="020B0604030504040204" pitchFamily="50" charset="-128"/>
+                        <a:ea typeface="メイリオ" panose="020B0604030504040204" pitchFamily="50" charset="-128"/>
+                      </a:endParaRPr>
+                    </a:p>
+                  </a:txBody>
+                  <a:tcPr/>
+                </a:tc>
+                <a:tc>
+                  <a:txBody>
+                    <a:bodyPr/>
+                    <a:lstStyle/>
+                    <a:p>
+                      <a:pPr algn="ctr"/>
+                      <a:r>
+                        <a:rPr kumimoji="1" lang="ja-JP" altLang="en-US" sz="1800" dirty="0" smtClean="0">
+                          <a:latin typeface="メイリオ" panose="020B0604030504040204" pitchFamily="50" charset="-128"/>
+                          <a:ea typeface="メイリオ" panose="020B0604030504040204" pitchFamily="50" charset="-128"/>
+                        </a:rPr>
+                        <a:t>問題</a:t>
+                      </a:r>
+                      <a:r>
+                        <a:rPr kumimoji="1" lang="en-US" altLang="ja-JP" sz="1800" dirty="0" smtClean="0">
+                          <a:latin typeface="メイリオ" panose="020B0604030504040204" pitchFamily="50" charset="-128"/>
+                          <a:ea typeface="メイリオ" panose="020B0604030504040204" pitchFamily="50" charset="-128"/>
+                        </a:rPr>
+                        <a:t>1</a:t>
+                      </a:r>
+                      <a:endParaRPr kumimoji="1" lang="ja-JP" altLang="en-US" sz="1800" dirty="0">
+                        <a:latin typeface="メイリオ" panose="020B0604030504040204" pitchFamily="50" charset="-128"/>
+                        <a:ea typeface="メイリオ" panose="020B0604030504040204" pitchFamily="50" charset="-128"/>
+                      </a:endParaRPr>
+                    </a:p>
+                  </a:txBody>
+                  <a:tcPr/>
+                </a:tc>
+                <a:tc>
+                  <a:txBody>
+                    <a:bodyPr/>
+                    <a:lstStyle/>
+                    <a:p>
+                      <a:pPr algn="ctr"/>
+                      <a:r>
+                        <a:rPr kumimoji="1" lang="ja-JP" altLang="en-US" dirty="0" smtClean="0">
+                          <a:latin typeface="メイリオ" panose="020B0604030504040204" pitchFamily="50" charset="-128"/>
+                          <a:ea typeface="メイリオ" panose="020B0604030504040204" pitchFamily="50" charset="-128"/>
+                        </a:rPr>
+                        <a:t>〇</a:t>
+                      </a:r>
+                      <a:endParaRPr kumimoji="1" lang="ja-JP" altLang="en-US" dirty="0">
+                        <a:latin typeface="メイリオ" panose="020B0604030504040204" pitchFamily="50" charset="-128"/>
+                        <a:ea typeface="メイリオ" panose="020B0604030504040204" pitchFamily="50" charset="-128"/>
+                      </a:endParaRPr>
+                    </a:p>
+                  </a:txBody>
+                  <a:tcPr/>
+                </a:tc>
+                <a:tc>
+                  <a:txBody>
+                    <a:bodyPr/>
+                    <a:lstStyle/>
+                    <a:p>
+                      <a:pPr algn="ctr"/>
+                      <a:r>
+                        <a:rPr kumimoji="1" lang="ja-JP" altLang="en-US" sz="1800" dirty="0" smtClean="0">
+                          <a:latin typeface="メイリオ" panose="020B0604030504040204" pitchFamily="50" charset="-128"/>
+                          <a:ea typeface="メイリオ" panose="020B0604030504040204" pitchFamily="50" charset="-128"/>
+                        </a:rPr>
+                        <a:t>問題</a:t>
+                      </a:r>
+                      <a:r>
+                        <a:rPr kumimoji="1" lang="en-US" altLang="ja-JP" sz="1800" dirty="0" smtClean="0">
+                          <a:latin typeface="メイリオ" panose="020B0604030504040204" pitchFamily="50" charset="-128"/>
+                          <a:ea typeface="メイリオ" panose="020B0604030504040204" pitchFamily="50" charset="-128"/>
+                        </a:rPr>
+                        <a:t>3</a:t>
+                      </a:r>
+                      <a:endParaRPr kumimoji="1" lang="ja-JP" altLang="en-US" sz="1800" dirty="0">
+                        <a:latin typeface="メイリオ" panose="020B0604030504040204" pitchFamily="50" charset="-128"/>
+                        <a:ea typeface="メイリオ" panose="020B0604030504040204" pitchFamily="50" charset="-128"/>
+                      </a:endParaRPr>
+                    </a:p>
+                  </a:txBody>
+                  <a:tcPr/>
+                </a:tc>
+                <a:tc>
+                  <a:txBody>
+                    <a:bodyPr/>
+                    <a:lstStyle/>
+                    <a:p>
+                      <a:pPr algn="ctr"/>
+                      <a:endParaRPr kumimoji="1" lang="ja-JP" altLang="en-US" dirty="0">
+                        <a:latin typeface="メイリオ" panose="020B0604030504040204" pitchFamily="50" charset="-128"/>
+                        <a:ea typeface="メイリオ" panose="020B0604030504040204" pitchFamily="50" charset="-128"/>
+                      </a:endParaRPr>
+                    </a:p>
+                  </a:txBody>
+                  <a:tcPr/>
+                </a:tc>
+                <a:tc>
+                  <a:txBody>
+                    <a:bodyPr/>
+                    <a:lstStyle/>
+                    <a:p>
+                      <a:pPr algn="ctr"/>
+                      <a:r>
+                        <a:rPr kumimoji="1" lang="ja-JP" altLang="en-US" sz="1800" dirty="0" smtClean="0">
+                          <a:latin typeface="メイリオ" panose="020B0604030504040204" pitchFamily="50" charset="-128"/>
+                          <a:ea typeface="メイリオ" panose="020B0604030504040204" pitchFamily="50" charset="-128"/>
+                        </a:rPr>
+                        <a:t>問題</a:t>
+                      </a:r>
+                      <a:r>
+                        <a:rPr kumimoji="1" lang="en-US" altLang="ja-JP" sz="1800" dirty="0" smtClean="0">
+                          <a:latin typeface="メイリオ" panose="020B0604030504040204" pitchFamily="50" charset="-128"/>
+                          <a:ea typeface="メイリオ" panose="020B0604030504040204" pitchFamily="50" charset="-128"/>
+                        </a:rPr>
+                        <a:t>1</a:t>
+                      </a:r>
+                      <a:endParaRPr kumimoji="1" lang="ja-JP" altLang="en-US" sz="1800" dirty="0">
+                        <a:latin typeface="メイリオ" panose="020B0604030504040204" pitchFamily="50" charset="-128"/>
+                        <a:ea typeface="メイリオ" panose="020B0604030504040204" pitchFamily="50" charset="-128"/>
+                      </a:endParaRPr>
+                    </a:p>
+                  </a:txBody>
+                  <a:tcPr/>
+                </a:tc>
+                <a:tc>
+                  <a:txBody>
+                    <a:bodyPr/>
+                    <a:lstStyle/>
+                    <a:p>
+                      <a:pPr algn="ctr"/>
+                      <a:r>
+                        <a:rPr kumimoji="1" lang="ja-JP" altLang="en-US" dirty="0" smtClean="0">
+                          <a:latin typeface="メイリオ" panose="020B0604030504040204" pitchFamily="50" charset="-128"/>
+                          <a:ea typeface="メイリオ" panose="020B0604030504040204" pitchFamily="50" charset="-128"/>
+                        </a:rPr>
+                        <a:t>〇</a:t>
+                      </a:r>
+                      <a:endParaRPr kumimoji="1" lang="ja-JP" altLang="en-US" dirty="0">
+                        <a:latin typeface="メイリオ" panose="020B0604030504040204" pitchFamily="50" charset="-128"/>
+                        <a:ea typeface="メイリオ" panose="020B0604030504040204" pitchFamily="50" charset="-128"/>
+                      </a:endParaRPr>
+                    </a:p>
+                  </a:txBody>
+                  <a:tcPr/>
+                </a:tc>
+                <a:tc>
+                  <a:txBody>
+                    <a:bodyPr/>
+                    <a:lstStyle/>
+                    <a:p>
+                      <a:pPr algn="ctr"/>
+                      <a:r>
+                        <a:rPr kumimoji="1" lang="ja-JP" altLang="en-US" sz="1800" dirty="0" smtClean="0">
+                          <a:latin typeface="メイリオ" panose="020B0604030504040204" pitchFamily="50" charset="-128"/>
+                          <a:ea typeface="メイリオ" panose="020B0604030504040204" pitchFamily="50" charset="-128"/>
+                        </a:rPr>
+                        <a:t>問題</a:t>
+                      </a:r>
+                      <a:r>
+                        <a:rPr kumimoji="1" lang="en-US" altLang="ja-JP" sz="1800" dirty="0" smtClean="0">
+                          <a:latin typeface="メイリオ" panose="020B0604030504040204" pitchFamily="50" charset="-128"/>
+                          <a:ea typeface="メイリオ" panose="020B0604030504040204" pitchFamily="50" charset="-128"/>
+                        </a:rPr>
+                        <a:t>2</a:t>
+                      </a:r>
+                      <a:endParaRPr kumimoji="1" lang="ja-JP" altLang="en-US" sz="1800" dirty="0">
+                        <a:latin typeface="メイリオ" panose="020B0604030504040204" pitchFamily="50" charset="-128"/>
+                        <a:ea typeface="メイリオ" panose="020B0604030504040204" pitchFamily="50" charset="-128"/>
+                      </a:endParaRPr>
+                    </a:p>
+                  </a:txBody>
+                  <a:tcPr/>
+                </a:tc>
+                <a:tc>
+                  <a:txBody>
+                    <a:bodyPr/>
+                    <a:lstStyle/>
+                    <a:p>
+                      <a:pPr algn="ctr"/>
+                      <a:endParaRPr kumimoji="1" lang="ja-JP" altLang="en-US" dirty="0">
+                        <a:latin typeface="メイリオ" panose="020B0604030504040204" pitchFamily="50" charset="-128"/>
+                        <a:ea typeface="メイリオ" panose="020B0604030504040204" pitchFamily="50" charset="-128"/>
+                      </a:endParaRPr>
+                    </a:p>
+                  </a:txBody>
+                  <a:tcPr/>
+                </a:tc>
+                <a:tc>
+                  <a:txBody>
+                    <a:bodyPr/>
+                    <a:lstStyle/>
+                    <a:p>
+                      <a:pPr algn="ctr"/>
+                      <a:r>
+                        <a:rPr kumimoji="1" lang="ja-JP" altLang="en-US" sz="1800" dirty="0" smtClean="0">
+                          <a:latin typeface="メイリオ" panose="020B0604030504040204" pitchFamily="50" charset="-128"/>
+                          <a:ea typeface="メイリオ" panose="020B0604030504040204" pitchFamily="50" charset="-128"/>
+                        </a:rPr>
+                        <a:t>問題</a:t>
+                      </a:r>
+                      <a:r>
+                        <a:rPr kumimoji="1" lang="en-US" altLang="ja-JP" sz="1800" dirty="0" smtClean="0">
+                          <a:latin typeface="メイリオ" panose="020B0604030504040204" pitchFamily="50" charset="-128"/>
+                          <a:ea typeface="メイリオ" panose="020B0604030504040204" pitchFamily="50" charset="-128"/>
+                        </a:rPr>
+                        <a:t>2</a:t>
+                      </a:r>
+                      <a:endParaRPr kumimoji="1" lang="ja-JP" altLang="en-US" sz="1800" dirty="0">
+                        <a:latin typeface="メイリオ" panose="020B0604030504040204" pitchFamily="50" charset="-128"/>
+                        <a:ea typeface="メイリオ" panose="020B0604030504040204" pitchFamily="50" charset="-128"/>
+                      </a:endParaRPr>
+                    </a:p>
+                  </a:txBody>
+                  <a:tcPr/>
+                </a:tc>
+                <a:tc>
+                  <a:txBody>
+                    <a:bodyPr/>
+                    <a:lstStyle/>
+                    <a:p>
+                      <a:pPr algn="ctr"/>
+                      <a:endParaRPr kumimoji="1" lang="ja-JP" altLang="en-US" dirty="0">
+                        <a:latin typeface="メイリオ" panose="020B0604030504040204" pitchFamily="50" charset="-128"/>
+                        <a:ea typeface="メイリオ" panose="020B0604030504040204" pitchFamily="50" charset="-128"/>
+                      </a:endParaRPr>
+                    </a:p>
+                  </a:txBody>
+                  <a:tcPr/>
+                </a:tc>
+                <a:tc>
+                  <a:txBody>
+                    <a:bodyPr/>
+                    <a:lstStyle/>
+                    <a:p>
+                      <a:pPr algn="ctr"/>
+                      <a:r>
+                        <a:rPr kumimoji="1" lang="ja-JP" altLang="en-US" sz="1800" dirty="0" smtClean="0">
+                          <a:latin typeface="メイリオ" panose="020B0604030504040204" pitchFamily="50" charset="-128"/>
+                          <a:ea typeface="メイリオ" panose="020B0604030504040204" pitchFamily="50" charset="-128"/>
+                        </a:rPr>
+                        <a:t>問題</a:t>
+                      </a:r>
+                      <a:r>
+                        <a:rPr kumimoji="1" lang="en-US" altLang="ja-JP" sz="1800" dirty="0" smtClean="0">
+                          <a:latin typeface="メイリオ" panose="020B0604030504040204" pitchFamily="50" charset="-128"/>
+                          <a:ea typeface="メイリオ" panose="020B0604030504040204" pitchFamily="50" charset="-128"/>
+                        </a:rPr>
+                        <a:t>3</a:t>
+                      </a:r>
+                      <a:endParaRPr kumimoji="1" lang="ja-JP" altLang="en-US" sz="1800" dirty="0">
+                        <a:latin typeface="メイリオ" panose="020B0604030504040204" pitchFamily="50" charset="-128"/>
+                        <a:ea typeface="メイリオ" panose="020B0604030504040204" pitchFamily="50" charset="-128"/>
+                      </a:endParaRPr>
+                    </a:p>
+                  </a:txBody>
+                  <a:tcPr/>
+                </a:tc>
+                <a:tc>
+                  <a:txBody>
+                    <a:bodyPr/>
+                    <a:lstStyle/>
+                    <a:p>
+                      <a:pPr algn="ctr"/>
+                      <a:r>
+                        <a:rPr kumimoji="1" lang="ja-JP" altLang="en-US" dirty="0" smtClean="0">
+                          <a:latin typeface="メイリオ" panose="020B0604030504040204" pitchFamily="50" charset="-128"/>
+                          <a:ea typeface="メイリオ" panose="020B0604030504040204" pitchFamily="50" charset="-128"/>
+                        </a:rPr>
+                        <a:t>〇</a:t>
+                      </a:r>
+                      <a:endParaRPr kumimoji="1" lang="ja-JP" altLang="en-US" dirty="0">
+                        <a:latin typeface="メイリオ" panose="020B0604030504040204" pitchFamily="50" charset="-128"/>
+                        <a:ea typeface="メイリオ" panose="020B0604030504040204" pitchFamily="50" charset="-128"/>
+                      </a:endParaRPr>
+                    </a:p>
+                  </a:txBody>
+                  <a:tcPr/>
+                </a:tc>
+                <a:extLst>
+                  <a:ext uri="{0D108BD9-81ED-4DB2-BD59-A6C34878D82A}">
+                    <a16:rowId xmlns:a16="http://schemas.microsoft.com/office/drawing/2014/main" val="3022621620"/>
+                  </a:ext>
+                </a:extLst>
+              </a:tr>
+              <a:tr h="658334">
+                <a:tc>
+                  <a:txBody>
+                    <a:bodyPr/>
+                    <a:lstStyle/>
+                    <a:p>
+                      <a:pPr algn="ctr"/>
+                      <a:r>
+                        <a:rPr kumimoji="1" lang="en-US" altLang="ja-JP" dirty="0" smtClean="0">
+                          <a:latin typeface="メイリオ" panose="020B0604030504040204" pitchFamily="50" charset="-128"/>
+                          <a:ea typeface="メイリオ" panose="020B0604030504040204" pitchFamily="50" charset="-128"/>
+                        </a:rPr>
+                        <a:t>3</a:t>
+                      </a:r>
+                      <a:r>
+                        <a:rPr kumimoji="1" lang="ja-JP" altLang="en-US" dirty="0" smtClean="0">
+                          <a:latin typeface="メイリオ" panose="020B0604030504040204" pitchFamily="50" charset="-128"/>
+                          <a:ea typeface="メイリオ" panose="020B0604030504040204" pitchFamily="50" charset="-128"/>
+                        </a:rPr>
+                        <a:t>回目</a:t>
+                      </a:r>
+                      <a:endParaRPr kumimoji="1" lang="ja-JP" altLang="en-US" dirty="0">
+                        <a:latin typeface="メイリオ" panose="020B0604030504040204" pitchFamily="50" charset="-128"/>
+                        <a:ea typeface="メイリオ" panose="020B0604030504040204" pitchFamily="50" charset="-128"/>
+                      </a:endParaRPr>
+                    </a:p>
+                  </a:txBody>
+                  <a:tcPr/>
+                </a:tc>
+                <a:tc>
+                  <a:txBody>
+                    <a:bodyPr/>
+                    <a:lstStyle/>
+                    <a:p>
+                      <a:pPr algn="ctr"/>
+                      <a:r>
+                        <a:rPr kumimoji="1" lang="ja-JP" altLang="en-US" sz="1800" dirty="0" smtClean="0">
+                          <a:latin typeface="メイリオ" panose="020B0604030504040204" pitchFamily="50" charset="-128"/>
+                          <a:ea typeface="メイリオ" panose="020B0604030504040204" pitchFamily="50" charset="-128"/>
+                        </a:rPr>
+                        <a:t>問題</a:t>
+                      </a:r>
+                      <a:r>
+                        <a:rPr kumimoji="1" lang="en-US" altLang="ja-JP" sz="1800" dirty="0" smtClean="0">
+                          <a:latin typeface="メイリオ" panose="020B0604030504040204" pitchFamily="50" charset="-128"/>
+                          <a:ea typeface="メイリオ" panose="020B0604030504040204" pitchFamily="50" charset="-128"/>
+                        </a:rPr>
+                        <a:t>3</a:t>
+                      </a:r>
+                      <a:endParaRPr kumimoji="1" lang="ja-JP" altLang="en-US" sz="1800" dirty="0">
+                        <a:latin typeface="メイリオ" panose="020B0604030504040204" pitchFamily="50" charset="-128"/>
+                        <a:ea typeface="メイリオ" panose="020B0604030504040204" pitchFamily="50" charset="-128"/>
+                      </a:endParaRPr>
+                    </a:p>
+                  </a:txBody>
+                  <a:tcPr/>
+                </a:tc>
+                <a:tc>
+                  <a:txBody>
+                    <a:bodyPr/>
+                    <a:lstStyle/>
+                    <a:p>
+                      <a:pPr algn="ctr"/>
+                      <a:endParaRPr kumimoji="1" lang="ja-JP" altLang="en-US" dirty="0">
+                        <a:latin typeface="メイリオ" panose="020B0604030504040204" pitchFamily="50" charset="-128"/>
+                        <a:ea typeface="メイリオ" panose="020B0604030504040204" pitchFamily="50" charset="-128"/>
+                      </a:endParaRPr>
+                    </a:p>
+                  </a:txBody>
+                  <a:tcPr/>
+                </a:tc>
+                <a:tc>
+                  <a:txBody>
+                    <a:bodyPr/>
+                    <a:lstStyle/>
+                    <a:p>
+                      <a:pPr algn="ctr"/>
+                      <a:r>
+                        <a:rPr kumimoji="1" lang="ja-JP" altLang="en-US" sz="1800" dirty="0" smtClean="0">
+                          <a:latin typeface="メイリオ" panose="020B0604030504040204" pitchFamily="50" charset="-128"/>
+                          <a:ea typeface="メイリオ" panose="020B0604030504040204" pitchFamily="50" charset="-128"/>
+                        </a:rPr>
+                        <a:t>問題</a:t>
+                      </a:r>
+                      <a:r>
+                        <a:rPr kumimoji="1" lang="en-US" altLang="ja-JP" sz="1800" dirty="0" smtClean="0">
+                          <a:latin typeface="メイリオ" panose="020B0604030504040204" pitchFamily="50" charset="-128"/>
+                          <a:ea typeface="メイリオ" panose="020B0604030504040204" pitchFamily="50" charset="-128"/>
+                        </a:rPr>
+                        <a:t>2</a:t>
+                      </a:r>
+                      <a:endParaRPr kumimoji="1" lang="ja-JP" altLang="en-US" sz="1800" dirty="0">
+                        <a:latin typeface="メイリオ" panose="020B0604030504040204" pitchFamily="50" charset="-128"/>
+                        <a:ea typeface="メイリオ" panose="020B0604030504040204" pitchFamily="50" charset="-128"/>
+                      </a:endParaRPr>
+                    </a:p>
+                  </a:txBody>
+                  <a:tcPr/>
+                </a:tc>
+                <a:tc>
+                  <a:txBody>
+                    <a:bodyPr/>
+                    <a:lstStyle/>
+                    <a:p>
+                      <a:pPr algn="ctr"/>
+                      <a:r>
+                        <a:rPr kumimoji="1" lang="ja-JP" altLang="en-US" dirty="0" smtClean="0">
+                          <a:latin typeface="メイリオ" panose="020B0604030504040204" pitchFamily="50" charset="-128"/>
+                          <a:ea typeface="メイリオ" panose="020B0604030504040204" pitchFamily="50" charset="-128"/>
+                        </a:rPr>
+                        <a:t>〇</a:t>
+                      </a:r>
+                      <a:endParaRPr kumimoji="1" lang="ja-JP" altLang="en-US" dirty="0">
+                        <a:latin typeface="メイリオ" panose="020B0604030504040204" pitchFamily="50" charset="-128"/>
+                        <a:ea typeface="メイリオ" panose="020B0604030504040204" pitchFamily="50" charset="-128"/>
+                      </a:endParaRPr>
+                    </a:p>
+                  </a:txBody>
+                  <a:tcPr/>
+                </a:tc>
+                <a:tc>
+                  <a:txBody>
+                    <a:bodyPr/>
+                    <a:lstStyle/>
+                    <a:p>
+                      <a:pPr algn="ctr"/>
+                      <a:r>
+                        <a:rPr kumimoji="1" lang="ja-JP" altLang="en-US" sz="1800" dirty="0" smtClean="0">
+                          <a:latin typeface="メイリオ" panose="020B0604030504040204" pitchFamily="50" charset="-128"/>
+                          <a:ea typeface="メイリオ" panose="020B0604030504040204" pitchFamily="50" charset="-128"/>
+                        </a:rPr>
+                        <a:t>問題</a:t>
+                      </a:r>
+                      <a:r>
+                        <a:rPr kumimoji="1" lang="en-US" altLang="ja-JP" sz="1800" dirty="0" smtClean="0">
+                          <a:latin typeface="メイリオ" panose="020B0604030504040204" pitchFamily="50" charset="-128"/>
+                          <a:ea typeface="メイリオ" panose="020B0604030504040204" pitchFamily="50" charset="-128"/>
+                        </a:rPr>
+                        <a:t>3</a:t>
+                      </a:r>
+                      <a:endParaRPr kumimoji="1" lang="ja-JP" altLang="en-US" sz="1800" dirty="0">
+                        <a:latin typeface="メイリオ" panose="020B0604030504040204" pitchFamily="50" charset="-128"/>
+                        <a:ea typeface="メイリオ" panose="020B0604030504040204" pitchFamily="50" charset="-128"/>
+                      </a:endParaRPr>
+                    </a:p>
+                  </a:txBody>
+                  <a:tcPr/>
+                </a:tc>
+                <a:tc>
+                  <a:txBody>
+                    <a:bodyPr/>
+                    <a:lstStyle/>
+                    <a:p>
+                      <a:pPr algn="ctr"/>
+                      <a:endParaRPr kumimoji="1" lang="ja-JP" altLang="en-US">
+                        <a:latin typeface="メイリオ" panose="020B0604030504040204" pitchFamily="50" charset="-128"/>
+                        <a:ea typeface="メイリオ" panose="020B0604030504040204" pitchFamily="50" charset="-128"/>
+                      </a:endParaRPr>
+                    </a:p>
+                  </a:txBody>
+                  <a:tcPr/>
+                </a:tc>
+                <a:tc>
+                  <a:txBody>
+                    <a:bodyPr/>
+                    <a:lstStyle/>
+                    <a:p>
+                      <a:pPr algn="ctr"/>
+                      <a:r>
+                        <a:rPr kumimoji="1" lang="ja-JP" altLang="en-US" sz="1800" dirty="0" smtClean="0">
+                          <a:latin typeface="メイリオ" panose="020B0604030504040204" pitchFamily="50" charset="-128"/>
+                          <a:ea typeface="メイリオ" panose="020B0604030504040204" pitchFamily="50" charset="-128"/>
+                        </a:rPr>
+                        <a:t>問題</a:t>
+                      </a:r>
+                      <a:r>
+                        <a:rPr kumimoji="1" lang="en-US" altLang="ja-JP" sz="1800" dirty="0" smtClean="0">
+                          <a:latin typeface="メイリオ" panose="020B0604030504040204" pitchFamily="50" charset="-128"/>
+                          <a:ea typeface="メイリオ" panose="020B0604030504040204" pitchFamily="50" charset="-128"/>
+                        </a:rPr>
+                        <a:t>1</a:t>
+                      </a:r>
+                      <a:endParaRPr kumimoji="1" lang="ja-JP" altLang="en-US" sz="1800" dirty="0">
+                        <a:latin typeface="メイリオ" panose="020B0604030504040204" pitchFamily="50" charset="-128"/>
+                        <a:ea typeface="メイリオ" panose="020B0604030504040204" pitchFamily="50" charset="-128"/>
+                      </a:endParaRPr>
+                    </a:p>
+                  </a:txBody>
+                  <a:tcPr/>
+                </a:tc>
+                <a:tc>
+                  <a:txBody>
+                    <a:bodyPr/>
+                    <a:lstStyle/>
+                    <a:p>
+                      <a:pPr algn="ctr"/>
+                      <a:r>
+                        <a:rPr kumimoji="1" lang="ja-JP" altLang="en-US" dirty="0" smtClean="0">
+                          <a:latin typeface="メイリオ" panose="020B0604030504040204" pitchFamily="50" charset="-128"/>
+                          <a:ea typeface="メイリオ" panose="020B0604030504040204" pitchFamily="50" charset="-128"/>
+                        </a:rPr>
+                        <a:t>〇</a:t>
+                      </a:r>
+                      <a:endParaRPr kumimoji="1" lang="ja-JP" altLang="en-US" dirty="0">
+                        <a:latin typeface="メイリオ" panose="020B0604030504040204" pitchFamily="50" charset="-128"/>
+                        <a:ea typeface="メイリオ" panose="020B0604030504040204" pitchFamily="50" charset="-128"/>
+                      </a:endParaRPr>
+                    </a:p>
+                  </a:txBody>
+                  <a:tcPr/>
+                </a:tc>
+                <a:tc>
+                  <a:txBody>
+                    <a:bodyPr/>
+                    <a:lstStyle/>
+                    <a:p>
+                      <a:pPr algn="ctr"/>
+                      <a:r>
+                        <a:rPr kumimoji="1" lang="ja-JP" altLang="en-US" sz="1800" dirty="0" smtClean="0">
+                          <a:latin typeface="メイリオ" panose="020B0604030504040204" pitchFamily="50" charset="-128"/>
+                          <a:ea typeface="メイリオ" panose="020B0604030504040204" pitchFamily="50" charset="-128"/>
+                        </a:rPr>
+                        <a:t>問題</a:t>
+                      </a:r>
+                      <a:r>
+                        <a:rPr kumimoji="1" lang="en-US" altLang="ja-JP" sz="1800" dirty="0" smtClean="0">
+                          <a:latin typeface="メイリオ" panose="020B0604030504040204" pitchFamily="50" charset="-128"/>
+                          <a:ea typeface="メイリオ" panose="020B0604030504040204" pitchFamily="50" charset="-128"/>
+                        </a:rPr>
+                        <a:t>2</a:t>
+                      </a:r>
+                      <a:endParaRPr kumimoji="1" lang="ja-JP" altLang="en-US" sz="1800" dirty="0">
+                        <a:latin typeface="メイリオ" panose="020B0604030504040204" pitchFamily="50" charset="-128"/>
+                        <a:ea typeface="メイリオ" panose="020B0604030504040204" pitchFamily="50" charset="-128"/>
+                      </a:endParaRPr>
+                    </a:p>
+                  </a:txBody>
+                  <a:tcPr/>
+                </a:tc>
+                <a:tc>
+                  <a:txBody>
+                    <a:bodyPr/>
+                    <a:lstStyle/>
+                    <a:p>
+                      <a:pPr algn="ctr"/>
+                      <a:endParaRPr kumimoji="1" lang="ja-JP" altLang="en-US">
+                        <a:latin typeface="メイリオ" panose="020B0604030504040204" pitchFamily="50" charset="-128"/>
+                        <a:ea typeface="メイリオ" panose="020B0604030504040204" pitchFamily="50" charset="-128"/>
+                      </a:endParaRPr>
+                    </a:p>
+                  </a:txBody>
+                  <a:tcPr/>
+                </a:tc>
+                <a:tc>
+                  <a:txBody>
+                    <a:bodyPr/>
+                    <a:lstStyle/>
+                    <a:p>
+                      <a:pPr algn="ctr"/>
+                      <a:r>
+                        <a:rPr kumimoji="1" lang="ja-JP" altLang="en-US" sz="1800" dirty="0" smtClean="0">
+                          <a:latin typeface="メイリオ" panose="020B0604030504040204" pitchFamily="50" charset="-128"/>
+                          <a:ea typeface="メイリオ" panose="020B0604030504040204" pitchFamily="50" charset="-128"/>
+                        </a:rPr>
+                        <a:t>問題</a:t>
+                      </a:r>
+                      <a:r>
+                        <a:rPr kumimoji="1" lang="en-US" altLang="ja-JP" sz="1800" dirty="0" smtClean="0">
+                          <a:latin typeface="メイリオ" panose="020B0604030504040204" pitchFamily="50" charset="-128"/>
+                          <a:ea typeface="メイリオ" panose="020B0604030504040204" pitchFamily="50" charset="-128"/>
+                        </a:rPr>
+                        <a:t>1</a:t>
+                      </a:r>
+                      <a:endParaRPr kumimoji="1" lang="ja-JP" altLang="en-US" sz="1800" dirty="0">
+                        <a:latin typeface="メイリオ" panose="020B0604030504040204" pitchFamily="50" charset="-128"/>
+                        <a:ea typeface="メイリオ" panose="020B0604030504040204" pitchFamily="50" charset="-128"/>
+                      </a:endParaRPr>
+                    </a:p>
+                  </a:txBody>
+                  <a:tcPr/>
+                </a:tc>
+                <a:tc>
+                  <a:txBody>
+                    <a:bodyPr/>
+                    <a:lstStyle/>
+                    <a:p>
+                      <a:pPr algn="ctr"/>
+                      <a:r>
+                        <a:rPr kumimoji="1" lang="ja-JP" altLang="en-US" dirty="0" smtClean="0">
+                          <a:latin typeface="メイリオ" panose="020B0604030504040204" pitchFamily="50" charset="-128"/>
+                          <a:ea typeface="メイリオ" panose="020B0604030504040204" pitchFamily="50" charset="-128"/>
+                        </a:rPr>
+                        <a:t>〇</a:t>
+                      </a:r>
+                      <a:endParaRPr kumimoji="1" lang="ja-JP" altLang="en-US" dirty="0">
+                        <a:latin typeface="メイリオ" panose="020B0604030504040204" pitchFamily="50" charset="-128"/>
+                        <a:ea typeface="メイリオ" panose="020B0604030504040204" pitchFamily="50" charset="-128"/>
+                      </a:endParaRPr>
+                    </a:p>
+                  </a:txBody>
+                  <a:tcPr/>
+                </a:tc>
+                <a:tc>
+                  <a:txBody>
+                    <a:bodyPr/>
+                    <a:lstStyle/>
+                    <a:p>
+                      <a:pPr algn="ctr"/>
+                      <a:r>
+                        <a:rPr kumimoji="1" lang="ja-JP" altLang="en-US" sz="1800" dirty="0" smtClean="0">
+                          <a:latin typeface="メイリオ" panose="020B0604030504040204" pitchFamily="50" charset="-128"/>
+                          <a:ea typeface="メイリオ" panose="020B0604030504040204" pitchFamily="50" charset="-128"/>
+                        </a:rPr>
+                        <a:t>問題</a:t>
+                      </a:r>
+                      <a:r>
+                        <a:rPr kumimoji="1" lang="en-US" altLang="ja-JP" sz="1800" dirty="0" smtClean="0">
+                          <a:latin typeface="メイリオ" panose="020B0604030504040204" pitchFamily="50" charset="-128"/>
+                          <a:ea typeface="メイリオ" panose="020B0604030504040204" pitchFamily="50" charset="-128"/>
+                        </a:rPr>
+                        <a:t>3</a:t>
+                      </a:r>
+                      <a:endParaRPr kumimoji="1" lang="ja-JP" altLang="en-US" sz="1800" dirty="0">
+                        <a:latin typeface="メイリオ" panose="020B0604030504040204" pitchFamily="50" charset="-128"/>
+                        <a:ea typeface="メイリオ" panose="020B0604030504040204" pitchFamily="50" charset="-128"/>
+                      </a:endParaRPr>
+                    </a:p>
+                  </a:txBody>
+                  <a:tcPr/>
+                </a:tc>
+                <a:tc>
+                  <a:txBody>
+                    <a:bodyPr/>
+                    <a:lstStyle/>
+                    <a:p>
+                      <a:pPr algn="ctr"/>
+                      <a:r>
+                        <a:rPr kumimoji="1" lang="ja-JP" altLang="en-US" dirty="0" smtClean="0">
+                          <a:latin typeface="メイリオ" panose="020B0604030504040204" pitchFamily="50" charset="-128"/>
+                          <a:ea typeface="メイリオ" panose="020B0604030504040204" pitchFamily="50" charset="-128"/>
+                        </a:rPr>
+                        <a:t>〇</a:t>
+                      </a:r>
+                      <a:endParaRPr kumimoji="1" lang="ja-JP" altLang="en-US" dirty="0">
+                        <a:latin typeface="メイリオ" panose="020B0604030504040204" pitchFamily="50" charset="-128"/>
+                        <a:ea typeface="メイリオ" panose="020B0604030504040204" pitchFamily="50" charset="-128"/>
+                      </a:endParaRPr>
+                    </a:p>
+                  </a:txBody>
+                  <a:tcPr/>
+                </a:tc>
+                <a:tc>
+                  <a:txBody>
+                    <a:bodyPr/>
+                    <a:lstStyle/>
+                    <a:p>
+                      <a:pPr algn="ctr"/>
+                      <a:r>
+                        <a:rPr kumimoji="1" lang="ja-JP" altLang="en-US" sz="1800" dirty="0" smtClean="0">
+                          <a:latin typeface="メイリオ" panose="020B0604030504040204" pitchFamily="50" charset="-128"/>
+                          <a:ea typeface="メイリオ" panose="020B0604030504040204" pitchFamily="50" charset="-128"/>
+                        </a:rPr>
+                        <a:t>問題</a:t>
+                      </a:r>
+                      <a:r>
+                        <a:rPr kumimoji="1" lang="en-US" altLang="ja-JP" sz="1800" dirty="0" smtClean="0">
+                          <a:latin typeface="メイリオ" panose="020B0604030504040204" pitchFamily="50" charset="-128"/>
+                          <a:ea typeface="メイリオ" panose="020B0604030504040204" pitchFamily="50" charset="-128"/>
+                        </a:rPr>
+                        <a:t>2</a:t>
+                      </a:r>
+                      <a:endParaRPr kumimoji="1" lang="ja-JP" altLang="en-US" sz="1800" dirty="0">
+                        <a:latin typeface="メイリオ" panose="020B0604030504040204" pitchFamily="50" charset="-128"/>
+                        <a:ea typeface="メイリオ" panose="020B0604030504040204" pitchFamily="50" charset="-128"/>
+                      </a:endParaRPr>
+                    </a:p>
+                  </a:txBody>
+                  <a:tcPr/>
+                </a:tc>
+                <a:tc>
+                  <a:txBody>
+                    <a:bodyPr/>
+                    <a:lstStyle/>
+                    <a:p>
+                      <a:pPr algn="ctr"/>
+                      <a:endParaRPr kumimoji="1" lang="ja-JP" altLang="en-US" dirty="0">
+                        <a:latin typeface="メイリオ" panose="020B0604030504040204" pitchFamily="50" charset="-128"/>
+                        <a:ea typeface="メイリオ" panose="020B0604030504040204" pitchFamily="50" charset="-128"/>
+                      </a:endParaRPr>
+                    </a:p>
+                  </a:txBody>
+                  <a:tcPr/>
+                </a:tc>
+                <a:extLst>
+                  <a:ext uri="{0D108BD9-81ED-4DB2-BD59-A6C34878D82A}">
+                    <a16:rowId xmlns:a16="http://schemas.microsoft.com/office/drawing/2014/main" val="1635036557"/>
+                  </a:ext>
+                </a:extLst>
+              </a:tr>
+            </a:tbl>
+          </a:graphicData>
+        </a:graphic>
+      </p:graphicFrame>
+      <p:sp>
+        <p:nvSpPr>
+          <p:cNvPr id="4" name="スライド番号プレースホルダー 3"/>
+          <p:cNvSpPr>
+            <a:spLocks noGrp="1"/>
+          </p:cNvSpPr>
+          <p:nvPr>
+            <p:ph type="sldNum" sz="quarter" idx="12"/>
+          </p:nvPr>
+        </p:nvSpPr>
+        <p:spPr/>
+        <p:txBody>
+          <a:bodyPr/>
+          <a:lstStyle/>
+          <a:p>
+            <a:fld id="{94EA3DAE-D3CC-4A9A-892B-44244AF4CECC}" type="slidenum">
+              <a:rPr lang="ja-JP" altLang="en-US" smtClean="0"/>
+              <a:pPr/>
+              <a:t>3</a:t>
+            </a:fld>
+            <a:endParaRPr lang="ja-JP" altLang="en-US" dirty="0"/>
+          </a:p>
+        </p:txBody>
+      </p:sp>
+      <p:sp>
+        <p:nvSpPr>
+          <p:cNvPr id="6" name="テキスト ボックス 5"/>
+          <p:cNvSpPr txBox="1"/>
+          <p:nvPr/>
+        </p:nvSpPr>
+        <p:spPr>
+          <a:xfrm>
+            <a:off x="1969216" y="3694422"/>
+            <a:ext cx="400110" cy="650514"/>
+          </a:xfrm>
+          <a:prstGeom prst="rect">
+            <a:avLst/>
+          </a:prstGeom>
+          <a:noFill/>
+        </p:spPr>
+        <p:txBody>
+          <a:bodyPr vert="eaVert" wrap="square" rtlCol="0">
+            <a:spAutoFit/>
+          </a:bodyPr>
+          <a:lstStyle/>
+          <a:p>
+            <a:r>
+              <a:rPr kumimoji="1" lang="ja-JP" altLang="en-US" sz="1400" dirty="0" smtClean="0">
+                <a:latin typeface="メイリオ" panose="020B0604030504040204" pitchFamily="50" charset="-128"/>
+                <a:ea typeface="メイリオ" panose="020B0604030504040204" pitchFamily="50" charset="-128"/>
+              </a:rPr>
+              <a:t>ツール</a:t>
+            </a:r>
+            <a:endParaRPr kumimoji="1" lang="ja-JP" altLang="en-US" sz="1400" dirty="0">
+              <a:latin typeface="メイリオ" panose="020B0604030504040204" pitchFamily="50" charset="-128"/>
+              <a:ea typeface="メイリオ" panose="020B0604030504040204" pitchFamily="50" charset="-128"/>
+            </a:endParaRPr>
+          </a:p>
+        </p:txBody>
+      </p:sp>
+      <p:sp>
+        <p:nvSpPr>
+          <p:cNvPr id="7" name="テキスト ボックス 6"/>
+          <p:cNvSpPr txBox="1"/>
+          <p:nvPr/>
+        </p:nvSpPr>
+        <p:spPr>
+          <a:xfrm>
+            <a:off x="8772543" y="3694422"/>
+            <a:ext cx="400110" cy="650514"/>
+          </a:xfrm>
+          <a:prstGeom prst="rect">
+            <a:avLst/>
+          </a:prstGeom>
+          <a:noFill/>
+        </p:spPr>
+        <p:txBody>
+          <a:bodyPr vert="eaVert" wrap="square" rtlCol="0">
+            <a:spAutoFit/>
+          </a:bodyPr>
+          <a:lstStyle/>
+          <a:p>
+            <a:r>
+              <a:rPr kumimoji="1" lang="ja-JP" altLang="en-US" sz="1400" dirty="0" smtClean="0">
+                <a:latin typeface="メイリオ" panose="020B0604030504040204" pitchFamily="50" charset="-128"/>
+                <a:ea typeface="メイリオ" panose="020B0604030504040204" pitchFamily="50" charset="-128"/>
+              </a:rPr>
+              <a:t>ツール</a:t>
+            </a:r>
+            <a:endParaRPr kumimoji="1" lang="ja-JP" altLang="en-US" sz="1400" dirty="0">
+              <a:latin typeface="メイリオ" panose="020B0604030504040204" pitchFamily="50" charset="-128"/>
+              <a:ea typeface="メイリオ" panose="020B0604030504040204" pitchFamily="50" charset="-128"/>
+            </a:endParaRPr>
+          </a:p>
+        </p:txBody>
+      </p:sp>
+      <p:sp>
+        <p:nvSpPr>
+          <p:cNvPr id="8" name="テキスト ボックス 7"/>
+          <p:cNvSpPr txBox="1"/>
+          <p:nvPr/>
+        </p:nvSpPr>
+        <p:spPr>
+          <a:xfrm>
+            <a:off x="3335702" y="3698513"/>
+            <a:ext cx="400110" cy="650514"/>
+          </a:xfrm>
+          <a:prstGeom prst="rect">
+            <a:avLst/>
+          </a:prstGeom>
+          <a:noFill/>
+        </p:spPr>
+        <p:txBody>
+          <a:bodyPr vert="eaVert" wrap="square" rtlCol="0">
+            <a:spAutoFit/>
+          </a:bodyPr>
+          <a:lstStyle/>
+          <a:p>
+            <a:r>
+              <a:rPr kumimoji="1" lang="ja-JP" altLang="en-US" sz="1400" dirty="0" smtClean="0">
+                <a:latin typeface="メイリオ" panose="020B0604030504040204" pitchFamily="50" charset="-128"/>
+                <a:ea typeface="メイリオ" panose="020B0604030504040204" pitchFamily="50" charset="-128"/>
+              </a:rPr>
+              <a:t>ツール</a:t>
+            </a:r>
+            <a:endParaRPr kumimoji="1" lang="ja-JP" altLang="en-US" sz="1400" dirty="0">
+              <a:latin typeface="メイリオ" panose="020B0604030504040204" pitchFamily="50" charset="-128"/>
+              <a:ea typeface="メイリオ" panose="020B0604030504040204" pitchFamily="50" charset="-128"/>
+            </a:endParaRPr>
+          </a:p>
+        </p:txBody>
+      </p:sp>
+      <p:sp>
+        <p:nvSpPr>
+          <p:cNvPr id="9" name="テキスト ボックス 8"/>
+          <p:cNvSpPr txBox="1"/>
+          <p:nvPr/>
+        </p:nvSpPr>
+        <p:spPr>
+          <a:xfrm>
+            <a:off x="7406057" y="3694422"/>
+            <a:ext cx="400110" cy="650514"/>
+          </a:xfrm>
+          <a:prstGeom prst="rect">
+            <a:avLst/>
+          </a:prstGeom>
+          <a:noFill/>
+        </p:spPr>
+        <p:txBody>
+          <a:bodyPr vert="eaVert" wrap="square" rtlCol="0">
+            <a:spAutoFit/>
+          </a:bodyPr>
+          <a:lstStyle/>
+          <a:p>
+            <a:r>
+              <a:rPr kumimoji="1" lang="ja-JP" altLang="en-US" sz="1400" dirty="0" smtClean="0">
+                <a:latin typeface="メイリオ" panose="020B0604030504040204" pitchFamily="50" charset="-128"/>
+                <a:ea typeface="メイリオ" panose="020B0604030504040204" pitchFamily="50" charset="-128"/>
+              </a:rPr>
+              <a:t>ツール</a:t>
+            </a:r>
+            <a:endParaRPr kumimoji="1" lang="ja-JP" altLang="en-US" sz="1400" dirty="0">
+              <a:latin typeface="メイリオ" panose="020B0604030504040204" pitchFamily="50" charset="-128"/>
+              <a:ea typeface="メイリオ" panose="020B0604030504040204" pitchFamily="50" charset="-128"/>
+            </a:endParaRPr>
+          </a:p>
+        </p:txBody>
+      </p:sp>
+      <p:sp>
+        <p:nvSpPr>
+          <p:cNvPr id="10" name="テキスト ボックス 9"/>
+          <p:cNvSpPr txBox="1"/>
+          <p:nvPr/>
+        </p:nvSpPr>
+        <p:spPr>
+          <a:xfrm>
+            <a:off x="6039571" y="3694422"/>
+            <a:ext cx="400110" cy="650514"/>
+          </a:xfrm>
+          <a:prstGeom prst="rect">
+            <a:avLst/>
+          </a:prstGeom>
+          <a:noFill/>
+        </p:spPr>
+        <p:txBody>
+          <a:bodyPr vert="eaVert" wrap="square" rtlCol="0">
+            <a:spAutoFit/>
+          </a:bodyPr>
+          <a:lstStyle/>
+          <a:p>
+            <a:r>
+              <a:rPr kumimoji="1" lang="ja-JP" altLang="en-US" sz="1400" dirty="0" smtClean="0">
+                <a:latin typeface="メイリオ" panose="020B0604030504040204" pitchFamily="50" charset="-128"/>
+                <a:ea typeface="メイリオ" panose="020B0604030504040204" pitchFamily="50" charset="-128"/>
+              </a:rPr>
+              <a:t>ツール</a:t>
+            </a:r>
+            <a:endParaRPr kumimoji="1" lang="ja-JP" altLang="en-US" sz="1400" dirty="0">
+              <a:latin typeface="メイリオ" panose="020B0604030504040204" pitchFamily="50" charset="-128"/>
+              <a:ea typeface="メイリオ" panose="020B0604030504040204" pitchFamily="50" charset="-128"/>
+            </a:endParaRPr>
+          </a:p>
+        </p:txBody>
+      </p:sp>
+      <p:sp>
+        <p:nvSpPr>
+          <p:cNvPr id="11" name="テキスト ボックス 10"/>
+          <p:cNvSpPr txBox="1"/>
+          <p:nvPr/>
+        </p:nvSpPr>
+        <p:spPr>
+          <a:xfrm>
+            <a:off x="4716762" y="3694422"/>
+            <a:ext cx="400110" cy="650514"/>
+          </a:xfrm>
+          <a:prstGeom prst="rect">
+            <a:avLst/>
+          </a:prstGeom>
+          <a:noFill/>
+        </p:spPr>
+        <p:txBody>
+          <a:bodyPr vert="eaVert" wrap="square" rtlCol="0">
+            <a:spAutoFit/>
+          </a:bodyPr>
+          <a:lstStyle/>
+          <a:p>
+            <a:r>
+              <a:rPr kumimoji="1" lang="ja-JP" altLang="en-US" sz="1400" dirty="0" smtClean="0">
+                <a:latin typeface="メイリオ" panose="020B0604030504040204" pitchFamily="50" charset="-128"/>
+                <a:ea typeface="メイリオ" panose="020B0604030504040204" pitchFamily="50" charset="-128"/>
+              </a:rPr>
+              <a:t>ツール</a:t>
+            </a:r>
+            <a:endParaRPr kumimoji="1" lang="ja-JP" altLang="en-US" sz="1400" dirty="0">
+              <a:latin typeface="メイリオ" panose="020B0604030504040204" pitchFamily="50" charset="-128"/>
+              <a:ea typeface="メイリオ" panose="020B0604030504040204" pitchFamily="50" charset="-128"/>
+            </a:endParaRPr>
+          </a:p>
+        </p:txBody>
+      </p:sp>
+      <p:sp>
+        <p:nvSpPr>
+          <p:cNvPr id="12" name="テキスト ボックス 11"/>
+          <p:cNvSpPr txBox="1"/>
+          <p:nvPr/>
+        </p:nvSpPr>
+        <p:spPr>
+          <a:xfrm>
+            <a:off x="11452583" y="3694422"/>
+            <a:ext cx="400110" cy="650514"/>
+          </a:xfrm>
+          <a:prstGeom prst="rect">
+            <a:avLst/>
+          </a:prstGeom>
+          <a:noFill/>
+        </p:spPr>
+        <p:txBody>
+          <a:bodyPr vert="eaVert" wrap="square" rtlCol="0">
+            <a:spAutoFit/>
+          </a:bodyPr>
+          <a:lstStyle/>
+          <a:p>
+            <a:r>
+              <a:rPr kumimoji="1" lang="ja-JP" altLang="en-US" sz="1400" dirty="0" smtClean="0">
+                <a:latin typeface="メイリオ" panose="020B0604030504040204" pitchFamily="50" charset="-128"/>
+                <a:ea typeface="メイリオ" panose="020B0604030504040204" pitchFamily="50" charset="-128"/>
+              </a:rPr>
+              <a:t>ツール</a:t>
+            </a:r>
+            <a:endParaRPr kumimoji="1" lang="ja-JP" altLang="en-US" sz="1400" dirty="0">
+              <a:latin typeface="メイリオ" panose="020B0604030504040204" pitchFamily="50" charset="-128"/>
+              <a:ea typeface="メイリオ" panose="020B0604030504040204" pitchFamily="50" charset="-128"/>
+            </a:endParaRPr>
+          </a:p>
+        </p:txBody>
+      </p:sp>
+      <p:sp>
+        <p:nvSpPr>
+          <p:cNvPr id="13" name="テキスト ボックス 12"/>
+          <p:cNvSpPr txBox="1"/>
+          <p:nvPr/>
+        </p:nvSpPr>
+        <p:spPr>
+          <a:xfrm>
+            <a:off x="10124477" y="3700559"/>
+            <a:ext cx="400110" cy="650514"/>
+          </a:xfrm>
+          <a:prstGeom prst="rect">
+            <a:avLst/>
+          </a:prstGeom>
+          <a:noFill/>
+        </p:spPr>
+        <p:txBody>
+          <a:bodyPr vert="eaVert" wrap="square" rtlCol="0">
+            <a:spAutoFit/>
+          </a:bodyPr>
+          <a:lstStyle/>
+          <a:p>
+            <a:r>
+              <a:rPr kumimoji="1" lang="ja-JP" altLang="en-US" sz="1400" dirty="0" smtClean="0">
+                <a:latin typeface="メイリオ" panose="020B0604030504040204" pitchFamily="50" charset="-128"/>
+                <a:ea typeface="メイリオ" panose="020B0604030504040204" pitchFamily="50" charset="-128"/>
+              </a:rPr>
+              <a:t>ツール</a:t>
+            </a:r>
+            <a:endParaRPr kumimoji="1" lang="ja-JP" altLang="en-US" sz="1400" dirty="0">
+              <a:latin typeface="メイリオ" panose="020B0604030504040204" pitchFamily="50" charset="-128"/>
+              <a:ea typeface="メイリオ" panose="020B0604030504040204" pitchFamily="50" charset="-128"/>
+            </a:endParaRPr>
+          </a:p>
+        </p:txBody>
+      </p:sp>
+      <p:pic>
+        <p:nvPicPr>
+          <p:cNvPr id="14" name="図 13"/>
+          <p:cNvPicPr>
+            <a:picLocks noChangeAspect="1"/>
+          </p:cNvPicPr>
+          <p:nvPr/>
+        </p:nvPicPr>
+        <p:blipFill>
+          <a:blip r:embed="rId2" cstate="print">
+            <a:extLst>
+              <a:ext uri="{28A0092B-C50C-407E-A947-70E740481C1C}">
+                <a14:useLocalDpi xmlns:a14="http://schemas.microsoft.com/office/drawing/2010/main" val="0"/>
+              </a:ext>
+            </a:extLst>
+          </a:blip>
+          <a:stretch>
+            <a:fillRect/>
+          </a:stretch>
+        </p:blipFill>
+        <p:spPr>
+          <a:xfrm>
+            <a:off x="1206691" y="2128592"/>
+            <a:ext cx="953842" cy="953842"/>
+          </a:xfrm>
+          <a:prstGeom prst="rect">
+            <a:avLst/>
+          </a:prstGeom>
+        </p:spPr>
+      </p:pic>
+      <p:sp>
+        <p:nvSpPr>
+          <p:cNvPr id="15" name="テキスト ボックス 14"/>
+          <p:cNvSpPr txBox="1"/>
+          <p:nvPr/>
+        </p:nvSpPr>
+        <p:spPr>
+          <a:xfrm>
+            <a:off x="997898" y="3135574"/>
+            <a:ext cx="1371428" cy="369332"/>
+          </a:xfrm>
+          <a:prstGeom prst="rect">
+            <a:avLst/>
+          </a:prstGeom>
+          <a:noFill/>
+        </p:spPr>
+        <p:txBody>
+          <a:bodyPr wrap="square" rtlCol="0">
+            <a:spAutoFit/>
+          </a:bodyPr>
+          <a:lstStyle/>
+          <a:p>
+            <a:pPr algn="ctr"/>
+            <a:r>
+              <a:rPr kumimoji="1" lang="en-US" altLang="ja-JP" dirty="0" smtClean="0">
+                <a:latin typeface="メイリオ" panose="020B0604030504040204" pitchFamily="50" charset="-128"/>
+                <a:ea typeface="メイリオ" panose="020B0604030504040204" pitchFamily="50" charset="-128"/>
+              </a:rPr>
+              <a:t>A</a:t>
+            </a:r>
+            <a:r>
+              <a:rPr kumimoji="1" lang="ja-JP" altLang="en-US" dirty="0" smtClean="0">
+                <a:latin typeface="メイリオ" panose="020B0604030504040204" pitchFamily="50" charset="-128"/>
+                <a:ea typeface="メイリオ" panose="020B0604030504040204" pitchFamily="50" charset="-128"/>
+              </a:rPr>
+              <a:t>さん</a:t>
+            </a:r>
+            <a:endParaRPr kumimoji="1" lang="ja-JP" altLang="en-US" dirty="0">
+              <a:latin typeface="メイリオ" panose="020B0604030504040204" pitchFamily="50" charset="-128"/>
+              <a:ea typeface="メイリオ" panose="020B0604030504040204" pitchFamily="50" charset="-128"/>
+            </a:endParaRPr>
+          </a:p>
+        </p:txBody>
+      </p:sp>
+      <p:pic>
+        <p:nvPicPr>
+          <p:cNvPr id="16" name="図 15"/>
+          <p:cNvPicPr>
+            <a:picLocks noChangeAspect="1"/>
+          </p:cNvPicPr>
+          <p:nvPr/>
+        </p:nvPicPr>
+        <p:blipFill>
+          <a:blip r:embed="rId2" cstate="print">
+            <a:extLst>
+              <a:ext uri="{28A0092B-C50C-407E-A947-70E740481C1C}">
+                <a14:useLocalDpi xmlns:a14="http://schemas.microsoft.com/office/drawing/2010/main" val="0"/>
+              </a:ext>
+            </a:extLst>
+          </a:blip>
+          <a:stretch>
+            <a:fillRect/>
+          </a:stretch>
+        </p:blipFill>
+        <p:spPr>
+          <a:xfrm>
+            <a:off x="2578119" y="2128592"/>
+            <a:ext cx="953842" cy="953842"/>
+          </a:xfrm>
+          <a:prstGeom prst="rect">
+            <a:avLst/>
+          </a:prstGeom>
+        </p:spPr>
+      </p:pic>
+      <p:sp>
+        <p:nvSpPr>
+          <p:cNvPr id="17" name="テキスト ボックス 16"/>
+          <p:cNvSpPr txBox="1"/>
+          <p:nvPr/>
+        </p:nvSpPr>
+        <p:spPr>
+          <a:xfrm>
+            <a:off x="2369326" y="3135574"/>
+            <a:ext cx="1371428" cy="369332"/>
+          </a:xfrm>
+          <a:prstGeom prst="rect">
+            <a:avLst/>
+          </a:prstGeom>
+          <a:noFill/>
+        </p:spPr>
+        <p:txBody>
+          <a:bodyPr wrap="square" rtlCol="0">
+            <a:spAutoFit/>
+          </a:bodyPr>
+          <a:lstStyle/>
+          <a:p>
+            <a:pPr algn="ctr"/>
+            <a:r>
+              <a:rPr lang="en-US" altLang="ja-JP" dirty="0">
+                <a:latin typeface="メイリオ" panose="020B0604030504040204" pitchFamily="50" charset="-128"/>
+                <a:ea typeface="メイリオ" panose="020B0604030504040204" pitchFamily="50" charset="-128"/>
+              </a:rPr>
+              <a:t>B</a:t>
+            </a:r>
+            <a:r>
+              <a:rPr kumimoji="1" lang="ja-JP" altLang="en-US" dirty="0" smtClean="0">
+                <a:latin typeface="メイリオ" panose="020B0604030504040204" pitchFamily="50" charset="-128"/>
+                <a:ea typeface="メイリオ" panose="020B0604030504040204" pitchFamily="50" charset="-128"/>
+              </a:rPr>
+              <a:t>さん</a:t>
+            </a:r>
+            <a:endParaRPr kumimoji="1" lang="ja-JP" altLang="en-US" dirty="0">
+              <a:latin typeface="メイリオ" panose="020B0604030504040204" pitchFamily="50" charset="-128"/>
+              <a:ea typeface="メイリオ" panose="020B0604030504040204" pitchFamily="50" charset="-128"/>
+            </a:endParaRPr>
+          </a:p>
+        </p:txBody>
+      </p:sp>
+      <p:pic>
+        <p:nvPicPr>
+          <p:cNvPr id="18" name="図 17"/>
+          <p:cNvPicPr>
+            <a:picLocks noChangeAspect="1"/>
+          </p:cNvPicPr>
+          <p:nvPr/>
+        </p:nvPicPr>
+        <p:blipFill>
+          <a:blip r:embed="rId2" cstate="print">
+            <a:extLst>
+              <a:ext uri="{28A0092B-C50C-407E-A947-70E740481C1C}">
+                <a14:useLocalDpi xmlns:a14="http://schemas.microsoft.com/office/drawing/2010/main" val="0"/>
+              </a:ext>
+            </a:extLst>
+          </a:blip>
+          <a:stretch>
+            <a:fillRect/>
+          </a:stretch>
+        </p:blipFill>
+        <p:spPr>
+          <a:xfrm>
+            <a:off x="3944605" y="2128592"/>
+            <a:ext cx="953842" cy="953842"/>
+          </a:xfrm>
+          <a:prstGeom prst="rect">
+            <a:avLst/>
+          </a:prstGeom>
+        </p:spPr>
+      </p:pic>
+      <p:sp>
+        <p:nvSpPr>
+          <p:cNvPr id="19" name="テキスト ボックス 18"/>
+          <p:cNvSpPr txBox="1"/>
+          <p:nvPr/>
+        </p:nvSpPr>
+        <p:spPr>
+          <a:xfrm>
+            <a:off x="3735812" y="3135574"/>
+            <a:ext cx="1371428" cy="369332"/>
+          </a:xfrm>
+          <a:prstGeom prst="rect">
+            <a:avLst/>
+          </a:prstGeom>
+          <a:noFill/>
+        </p:spPr>
+        <p:txBody>
+          <a:bodyPr wrap="square" rtlCol="0">
+            <a:spAutoFit/>
+          </a:bodyPr>
+          <a:lstStyle/>
+          <a:p>
+            <a:pPr algn="ctr"/>
+            <a:r>
+              <a:rPr lang="en-US" altLang="ja-JP" dirty="0">
+                <a:latin typeface="メイリオ" panose="020B0604030504040204" pitchFamily="50" charset="-128"/>
+                <a:ea typeface="メイリオ" panose="020B0604030504040204" pitchFamily="50" charset="-128"/>
+              </a:rPr>
+              <a:t>C</a:t>
+            </a:r>
+            <a:r>
+              <a:rPr kumimoji="1" lang="ja-JP" altLang="en-US" dirty="0" smtClean="0">
+                <a:latin typeface="メイリオ" panose="020B0604030504040204" pitchFamily="50" charset="-128"/>
+                <a:ea typeface="メイリオ" panose="020B0604030504040204" pitchFamily="50" charset="-128"/>
+              </a:rPr>
+              <a:t>さん</a:t>
+            </a:r>
+            <a:endParaRPr kumimoji="1" lang="ja-JP" altLang="en-US" dirty="0">
+              <a:latin typeface="メイリオ" panose="020B0604030504040204" pitchFamily="50" charset="-128"/>
+              <a:ea typeface="メイリオ" panose="020B0604030504040204" pitchFamily="50" charset="-128"/>
+            </a:endParaRPr>
+          </a:p>
+        </p:txBody>
+      </p:sp>
+      <p:pic>
+        <p:nvPicPr>
+          <p:cNvPr id="20" name="図 19"/>
+          <p:cNvPicPr>
+            <a:picLocks noChangeAspect="1"/>
+          </p:cNvPicPr>
+          <p:nvPr/>
+        </p:nvPicPr>
+        <p:blipFill>
+          <a:blip r:embed="rId2" cstate="print">
+            <a:extLst>
+              <a:ext uri="{28A0092B-C50C-407E-A947-70E740481C1C}">
+                <a14:useLocalDpi xmlns:a14="http://schemas.microsoft.com/office/drawing/2010/main" val="0"/>
+              </a:ext>
+            </a:extLst>
+          </a:blip>
+          <a:stretch>
+            <a:fillRect/>
+          </a:stretch>
+        </p:blipFill>
+        <p:spPr>
+          <a:xfrm>
+            <a:off x="5265131" y="2128592"/>
+            <a:ext cx="953842" cy="953842"/>
+          </a:xfrm>
+          <a:prstGeom prst="rect">
+            <a:avLst/>
+          </a:prstGeom>
+        </p:spPr>
+      </p:pic>
+      <p:sp>
+        <p:nvSpPr>
+          <p:cNvPr id="21" name="テキスト ボックス 20"/>
+          <p:cNvSpPr txBox="1"/>
+          <p:nvPr/>
+        </p:nvSpPr>
+        <p:spPr>
+          <a:xfrm>
+            <a:off x="5056338" y="3135574"/>
+            <a:ext cx="1371428" cy="369332"/>
+          </a:xfrm>
+          <a:prstGeom prst="rect">
+            <a:avLst/>
+          </a:prstGeom>
+          <a:noFill/>
+        </p:spPr>
+        <p:txBody>
+          <a:bodyPr wrap="square" rtlCol="0">
+            <a:spAutoFit/>
+          </a:bodyPr>
+          <a:lstStyle/>
+          <a:p>
+            <a:pPr algn="ctr"/>
+            <a:r>
+              <a:rPr lang="en-US" altLang="ja-JP" dirty="0">
+                <a:latin typeface="メイリオ" panose="020B0604030504040204" pitchFamily="50" charset="-128"/>
+                <a:ea typeface="メイリオ" panose="020B0604030504040204" pitchFamily="50" charset="-128"/>
+              </a:rPr>
+              <a:t>D</a:t>
+            </a:r>
+            <a:r>
+              <a:rPr kumimoji="1" lang="ja-JP" altLang="en-US" dirty="0" smtClean="0">
+                <a:latin typeface="メイリオ" panose="020B0604030504040204" pitchFamily="50" charset="-128"/>
+                <a:ea typeface="メイリオ" panose="020B0604030504040204" pitchFamily="50" charset="-128"/>
+              </a:rPr>
+              <a:t>さん</a:t>
+            </a:r>
+            <a:endParaRPr kumimoji="1" lang="ja-JP" altLang="en-US" dirty="0">
+              <a:latin typeface="メイリオ" panose="020B0604030504040204" pitchFamily="50" charset="-128"/>
+              <a:ea typeface="メイリオ" panose="020B0604030504040204" pitchFamily="50" charset="-128"/>
+            </a:endParaRPr>
+          </a:p>
+        </p:txBody>
+      </p:sp>
+      <p:pic>
+        <p:nvPicPr>
+          <p:cNvPr id="22" name="図 21"/>
+          <p:cNvPicPr>
+            <a:picLocks noChangeAspect="1"/>
+          </p:cNvPicPr>
+          <p:nvPr/>
+        </p:nvPicPr>
+        <p:blipFill>
+          <a:blip r:embed="rId2" cstate="print">
+            <a:extLst>
+              <a:ext uri="{28A0092B-C50C-407E-A947-70E740481C1C}">
+                <a14:useLocalDpi xmlns:a14="http://schemas.microsoft.com/office/drawing/2010/main" val="0"/>
+              </a:ext>
+            </a:extLst>
+          </a:blip>
+          <a:stretch>
+            <a:fillRect/>
+          </a:stretch>
+        </p:blipFill>
+        <p:spPr>
+          <a:xfrm>
+            <a:off x="6622309" y="2128592"/>
+            <a:ext cx="953842" cy="953842"/>
+          </a:xfrm>
+          <a:prstGeom prst="rect">
+            <a:avLst/>
+          </a:prstGeom>
+        </p:spPr>
+      </p:pic>
+      <p:sp>
+        <p:nvSpPr>
+          <p:cNvPr id="23" name="テキスト ボックス 22"/>
+          <p:cNvSpPr txBox="1"/>
+          <p:nvPr/>
+        </p:nvSpPr>
+        <p:spPr>
+          <a:xfrm>
+            <a:off x="6413516" y="3135574"/>
+            <a:ext cx="1371428" cy="369332"/>
+          </a:xfrm>
+          <a:prstGeom prst="rect">
+            <a:avLst/>
+          </a:prstGeom>
+          <a:noFill/>
+        </p:spPr>
+        <p:txBody>
+          <a:bodyPr wrap="square" rtlCol="0">
+            <a:spAutoFit/>
+          </a:bodyPr>
+          <a:lstStyle/>
+          <a:p>
+            <a:pPr algn="ctr"/>
+            <a:r>
+              <a:rPr lang="en-US" altLang="ja-JP" dirty="0">
+                <a:latin typeface="メイリオ" panose="020B0604030504040204" pitchFamily="50" charset="-128"/>
+                <a:ea typeface="メイリオ" panose="020B0604030504040204" pitchFamily="50" charset="-128"/>
+              </a:rPr>
+              <a:t>E</a:t>
+            </a:r>
+            <a:r>
+              <a:rPr kumimoji="1" lang="ja-JP" altLang="en-US" dirty="0" smtClean="0">
+                <a:latin typeface="メイリオ" panose="020B0604030504040204" pitchFamily="50" charset="-128"/>
+                <a:ea typeface="メイリオ" panose="020B0604030504040204" pitchFamily="50" charset="-128"/>
+              </a:rPr>
+              <a:t>さん</a:t>
+            </a:r>
+            <a:endParaRPr kumimoji="1" lang="ja-JP" altLang="en-US" dirty="0">
+              <a:latin typeface="メイリオ" panose="020B0604030504040204" pitchFamily="50" charset="-128"/>
+              <a:ea typeface="メイリオ" panose="020B0604030504040204" pitchFamily="50" charset="-128"/>
+            </a:endParaRPr>
+          </a:p>
+        </p:txBody>
+      </p:sp>
+      <p:pic>
+        <p:nvPicPr>
+          <p:cNvPr id="24" name="図 23"/>
+          <p:cNvPicPr>
+            <a:picLocks noChangeAspect="1"/>
+          </p:cNvPicPr>
+          <p:nvPr/>
+        </p:nvPicPr>
+        <p:blipFill>
+          <a:blip r:embed="rId2" cstate="print">
+            <a:extLst>
+              <a:ext uri="{28A0092B-C50C-407E-A947-70E740481C1C}">
+                <a14:useLocalDpi xmlns:a14="http://schemas.microsoft.com/office/drawing/2010/main" val="0"/>
+              </a:ext>
+            </a:extLst>
+          </a:blip>
+          <a:stretch>
+            <a:fillRect/>
+          </a:stretch>
+        </p:blipFill>
+        <p:spPr>
+          <a:xfrm>
+            <a:off x="7970469" y="2128592"/>
+            <a:ext cx="953842" cy="953842"/>
+          </a:xfrm>
+          <a:prstGeom prst="rect">
+            <a:avLst/>
+          </a:prstGeom>
+        </p:spPr>
+      </p:pic>
+      <p:sp>
+        <p:nvSpPr>
+          <p:cNvPr id="25" name="テキスト ボックス 24"/>
+          <p:cNvSpPr txBox="1"/>
+          <p:nvPr/>
+        </p:nvSpPr>
+        <p:spPr>
+          <a:xfrm>
+            <a:off x="7761676" y="3135574"/>
+            <a:ext cx="1371428" cy="369332"/>
+          </a:xfrm>
+          <a:prstGeom prst="rect">
+            <a:avLst/>
+          </a:prstGeom>
+          <a:noFill/>
+        </p:spPr>
+        <p:txBody>
+          <a:bodyPr wrap="square" rtlCol="0">
+            <a:spAutoFit/>
+          </a:bodyPr>
+          <a:lstStyle/>
+          <a:p>
+            <a:pPr algn="ctr"/>
+            <a:r>
+              <a:rPr lang="en-US" altLang="ja-JP" dirty="0">
+                <a:latin typeface="メイリオ" panose="020B0604030504040204" pitchFamily="50" charset="-128"/>
+                <a:ea typeface="メイリオ" panose="020B0604030504040204" pitchFamily="50" charset="-128"/>
+              </a:rPr>
+              <a:t>F</a:t>
+            </a:r>
+            <a:r>
+              <a:rPr kumimoji="1" lang="ja-JP" altLang="en-US" dirty="0" smtClean="0">
+                <a:latin typeface="メイリオ" panose="020B0604030504040204" pitchFamily="50" charset="-128"/>
+                <a:ea typeface="メイリオ" panose="020B0604030504040204" pitchFamily="50" charset="-128"/>
+              </a:rPr>
+              <a:t>さん</a:t>
+            </a:r>
+            <a:endParaRPr kumimoji="1" lang="ja-JP" altLang="en-US" dirty="0">
+              <a:latin typeface="メイリオ" panose="020B0604030504040204" pitchFamily="50" charset="-128"/>
+              <a:ea typeface="メイリオ" panose="020B0604030504040204" pitchFamily="50" charset="-128"/>
+            </a:endParaRPr>
+          </a:p>
+        </p:txBody>
+      </p:sp>
+      <p:pic>
+        <p:nvPicPr>
+          <p:cNvPr id="26" name="図 25"/>
+          <p:cNvPicPr>
+            <a:picLocks noChangeAspect="1"/>
+          </p:cNvPicPr>
+          <p:nvPr/>
+        </p:nvPicPr>
+        <p:blipFill>
+          <a:blip r:embed="rId2" cstate="print">
+            <a:extLst>
+              <a:ext uri="{28A0092B-C50C-407E-A947-70E740481C1C}">
+                <a14:useLocalDpi xmlns:a14="http://schemas.microsoft.com/office/drawing/2010/main" val="0"/>
+              </a:ext>
+            </a:extLst>
+          </a:blip>
+          <a:stretch>
+            <a:fillRect/>
+          </a:stretch>
+        </p:blipFill>
+        <p:spPr>
+          <a:xfrm>
+            <a:off x="9293641" y="2128592"/>
+            <a:ext cx="953842" cy="953842"/>
+          </a:xfrm>
+          <a:prstGeom prst="rect">
+            <a:avLst/>
+          </a:prstGeom>
+        </p:spPr>
+      </p:pic>
+      <p:sp>
+        <p:nvSpPr>
+          <p:cNvPr id="27" name="テキスト ボックス 26"/>
+          <p:cNvSpPr txBox="1"/>
+          <p:nvPr/>
+        </p:nvSpPr>
+        <p:spPr>
+          <a:xfrm>
+            <a:off x="9084848" y="3135574"/>
+            <a:ext cx="1371428" cy="369332"/>
+          </a:xfrm>
+          <a:prstGeom prst="rect">
+            <a:avLst/>
+          </a:prstGeom>
+          <a:noFill/>
+        </p:spPr>
+        <p:txBody>
+          <a:bodyPr wrap="square" rtlCol="0">
+            <a:spAutoFit/>
+          </a:bodyPr>
+          <a:lstStyle/>
+          <a:p>
+            <a:pPr algn="ctr"/>
+            <a:r>
+              <a:rPr lang="en-US" altLang="ja-JP" dirty="0">
+                <a:latin typeface="メイリオ" panose="020B0604030504040204" pitchFamily="50" charset="-128"/>
+                <a:ea typeface="メイリオ" panose="020B0604030504040204" pitchFamily="50" charset="-128"/>
+              </a:rPr>
+              <a:t>G</a:t>
+            </a:r>
+            <a:r>
+              <a:rPr kumimoji="1" lang="ja-JP" altLang="en-US" dirty="0" smtClean="0">
+                <a:latin typeface="メイリオ" panose="020B0604030504040204" pitchFamily="50" charset="-128"/>
+                <a:ea typeface="メイリオ" panose="020B0604030504040204" pitchFamily="50" charset="-128"/>
+              </a:rPr>
+              <a:t>さん</a:t>
+            </a:r>
+            <a:endParaRPr kumimoji="1" lang="ja-JP" altLang="en-US" dirty="0">
+              <a:latin typeface="メイリオ" panose="020B0604030504040204" pitchFamily="50" charset="-128"/>
+              <a:ea typeface="メイリオ" panose="020B0604030504040204" pitchFamily="50" charset="-128"/>
+            </a:endParaRPr>
+          </a:p>
+        </p:txBody>
+      </p:sp>
+      <p:pic>
+        <p:nvPicPr>
+          <p:cNvPr id="28" name="図 27"/>
+          <p:cNvPicPr>
+            <a:picLocks noChangeAspect="1"/>
+          </p:cNvPicPr>
+          <p:nvPr/>
+        </p:nvPicPr>
+        <p:blipFill>
+          <a:blip r:embed="rId2" cstate="print">
+            <a:extLst>
+              <a:ext uri="{28A0092B-C50C-407E-A947-70E740481C1C}">
+                <a14:useLocalDpi xmlns:a14="http://schemas.microsoft.com/office/drawing/2010/main" val="0"/>
+              </a:ext>
+            </a:extLst>
+          </a:blip>
+          <a:stretch>
+            <a:fillRect/>
+          </a:stretch>
+        </p:blipFill>
+        <p:spPr>
+          <a:xfrm>
+            <a:off x="10702552" y="2128592"/>
+            <a:ext cx="953842" cy="953842"/>
+          </a:xfrm>
+          <a:prstGeom prst="rect">
+            <a:avLst/>
+          </a:prstGeom>
+        </p:spPr>
+      </p:pic>
+      <p:sp>
+        <p:nvSpPr>
+          <p:cNvPr id="29" name="テキスト ボックス 28"/>
+          <p:cNvSpPr txBox="1"/>
+          <p:nvPr/>
+        </p:nvSpPr>
+        <p:spPr>
+          <a:xfrm>
+            <a:off x="10493759" y="3135574"/>
+            <a:ext cx="1371428" cy="369332"/>
+          </a:xfrm>
+          <a:prstGeom prst="rect">
+            <a:avLst/>
+          </a:prstGeom>
+          <a:noFill/>
+        </p:spPr>
+        <p:txBody>
+          <a:bodyPr wrap="square" rtlCol="0">
+            <a:spAutoFit/>
+          </a:bodyPr>
+          <a:lstStyle/>
+          <a:p>
+            <a:pPr algn="ctr"/>
+            <a:r>
+              <a:rPr lang="en-US" altLang="ja-JP" dirty="0">
+                <a:latin typeface="メイリオ" panose="020B0604030504040204" pitchFamily="50" charset="-128"/>
+                <a:ea typeface="メイリオ" panose="020B0604030504040204" pitchFamily="50" charset="-128"/>
+              </a:rPr>
+              <a:t>H</a:t>
+            </a:r>
+            <a:r>
+              <a:rPr kumimoji="1" lang="ja-JP" altLang="en-US" dirty="0" smtClean="0">
+                <a:latin typeface="メイリオ" panose="020B0604030504040204" pitchFamily="50" charset="-128"/>
+                <a:ea typeface="メイリオ" panose="020B0604030504040204" pitchFamily="50" charset="-128"/>
+              </a:rPr>
+              <a:t>さん</a:t>
+            </a:r>
+            <a:endParaRPr kumimoji="1" lang="ja-JP" altLang="en-US" dirty="0">
+              <a:latin typeface="メイリオ" panose="020B0604030504040204" pitchFamily="50" charset="-128"/>
+              <a:ea typeface="メイリオ" panose="020B0604030504040204" pitchFamily="50" charset="-128"/>
+            </a:endParaRPr>
+          </a:p>
+        </p:txBody>
+      </p:sp>
+      <p:sp>
+        <p:nvSpPr>
+          <p:cNvPr id="30" name="テキスト ボックス 29"/>
+          <p:cNvSpPr txBox="1"/>
+          <p:nvPr/>
+        </p:nvSpPr>
+        <p:spPr>
+          <a:xfrm>
+            <a:off x="422381" y="2334402"/>
+            <a:ext cx="492443" cy="1042988"/>
+          </a:xfrm>
+          <a:prstGeom prst="rect">
+            <a:avLst/>
+          </a:prstGeom>
+          <a:noFill/>
+        </p:spPr>
+        <p:txBody>
+          <a:bodyPr vert="eaVert" wrap="square" rtlCol="0">
+            <a:spAutoFit/>
+          </a:bodyPr>
+          <a:lstStyle/>
+          <a:p>
+            <a:r>
+              <a:rPr lang="ja-JP" altLang="en-US" sz="2000" dirty="0">
+                <a:latin typeface="メイリオ" panose="020B0604030504040204" pitchFamily="50" charset="-128"/>
+                <a:ea typeface="メイリオ" panose="020B0604030504040204" pitchFamily="50" charset="-128"/>
+              </a:rPr>
+              <a:t>実験者</a:t>
+            </a:r>
+            <a:endParaRPr kumimoji="1" lang="ja-JP" altLang="en-US" sz="2000" dirty="0">
+              <a:latin typeface="メイリオ" panose="020B0604030504040204" pitchFamily="50" charset="-128"/>
+              <a:ea typeface="メイリオ" panose="020B0604030504040204" pitchFamily="50" charset="-128"/>
+            </a:endParaRPr>
+          </a:p>
+        </p:txBody>
+      </p:sp>
+    </p:spTree>
+    <p:extLst>
+      <p:ext uri="{BB962C8B-B14F-4D97-AF65-F5344CB8AC3E}">
+        <p14:creationId xmlns:p14="http://schemas.microsoft.com/office/powerpoint/2010/main" val="3143581760"/>
+      </p:ext>
+    </p:extLst>
+  </p:cSld>
+  <p:clrMapOvr>
+    <a:masterClrMapping/>
+  </p:clrMapOvr>
+  <p:timing>
+    <p:tnLst>
+      <p:par>
+        <p:cTn id="1" dur="indefinite" restart="never" nodeType="tmRoot"/>
+      </p:par>
+    </p:tnLst>
+  </p:timing>
+</p:sld>
+</file>
+
 <file path=ppt/theme/theme1.xml><?xml version="1.0" encoding="utf-8"?>
 <a:theme xmlns:a="http://schemas.openxmlformats.org/drawingml/2006/main" name="Office テーマ">
   <a:themeElements>
